--- a/plotly/RnPy/chap4/프레젠테이션1.pptx
+++ b/plotly/RnPy/chap4/프레젠테이션1.pptx
@@ -6,6 +6,7 @@
   </p:sldMasterIdLst>
   <p:sldIdLst>
     <p:sldId id="256" r:id="rId2"/>
+    <p:sldId id="257" r:id="rId3"/>
   </p:sldIdLst>
   <p:sldSz cx="12192000" cy="6858000"/>
   <p:notesSz cx="6858000" cy="9144000"/>
@@ -254,7 +255,7 @@
           <a:p>
             <a:fld id="{52D00532-A6D4-4250-BED2-DE376C78C0B3}" type="datetimeFigureOut">
               <a:rPr lang="ko-KR" altLang="en-US" smtClean="0"/>
-              <a:t>2022-12-09</a:t>
+              <a:t>2022-12-11</a:t>
             </a:fld>
             <a:endParaRPr lang="ko-KR" altLang="en-US"/>
           </a:p>
@@ -424,7 +425,7 @@
           <a:p>
             <a:fld id="{52D00532-A6D4-4250-BED2-DE376C78C0B3}" type="datetimeFigureOut">
               <a:rPr lang="ko-KR" altLang="en-US" smtClean="0"/>
-              <a:t>2022-12-09</a:t>
+              <a:t>2022-12-11</a:t>
             </a:fld>
             <a:endParaRPr lang="ko-KR" altLang="en-US"/>
           </a:p>
@@ -604,7 +605,7 @@
           <a:p>
             <a:fld id="{52D00532-A6D4-4250-BED2-DE376C78C0B3}" type="datetimeFigureOut">
               <a:rPr lang="ko-KR" altLang="en-US" smtClean="0"/>
-              <a:t>2022-12-09</a:t>
+              <a:t>2022-12-11</a:t>
             </a:fld>
             <a:endParaRPr lang="ko-KR" altLang="en-US"/>
           </a:p>
@@ -774,7 +775,7 @@
           <a:p>
             <a:fld id="{52D00532-A6D4-4250-BED2-DE376C78C0B3}" type="datetimeFigureOut">
               <a:rPr lang="ko-KR" altLang="en-US" smtClean="0"/>
-              <a:t>2022-12-09</a:t>
+              <a:t>2022-12-11</a:t>
             </a:fld>
             <a:endParaRPr lang="ko-KR" altLang="en-US"/>
           </a:p>
@@ -1020,7 +1021,7 @@
           <a:p>
             <a:fld id="{52D00532-A6D4-4250-BED2-DE376C78C0B3}" type="datetimeFigureOut">
               <a:rPr lang="ko-KR" altLang="en-US" smtClean="0"/>
-              <a:t>2022-12-09</a:t>
+              <a:t>2022-12-11</a:t>
             </a:fld>
             <a:endParaRPr lang="ko-KR" altLang="en-US"/>
           </a:p>
@@ -1252,7 +1253,7 @@
           <a:p>
             <a:fld id="{52D00532-A6D4-4250-BED2-DE376C78C0B3}" type="datetimeFigureOut">
               <a:rPr lang="ko-KR" altLang="en-US" smtClean="0"/>
-              <a:t>2022-12-09</a:t>
+              <a:t>2022-12-11</a:t>
             </a:fld>
             <a:endParaRPr lang="ko-KR" altLang="en-US"/>
           </a:p>
@@ -1619,7 +1620,7 @@
           <a:p>
             <a:fld id="{52D00532-A6D4-4250-BED2-DE376C78C0B3}" type="datetimeFigureOut">
               <a:rPr lang="ko-KR" altLang="en-US" smtClean="0"/>
-              <a:t>2022-12-09</a:t>
+              <a:t>2022-12-11</a:t>
             </a:fld>
             <a:endParaRPr lang="ko-KR" altLang="en-US"/>
           </a:p>
@@ -1737,7 +1738,7 @@
           <a:p>
             <a:fld id="{52D00532-A6D4-4250-BED2-DE376C78C0B3}" type="datetimeFigureOut">
               <a:rPr lang="ko-KR" altLang="en-US" smtClean="0"/>
-              <a:t>2022-12-09</a:t>
+              <a:t>2022-12-11</a:t>
             </a:fld>
             <a:endParaRPr lang="ko-KR" altLang="en-US"/>
           </a:p>
@@ -1832,7 +1833,7 @@
           <a:p>
             <a:fld id="{52D00532-A6D4-4250-BED2-DE376C78C0B3}" type="datetimeFigureOut">
               <a:rPr lang="ko-KR" altLang="en-US" smtClean="0"/>
-              <a:t>2022-12-09</a:t>
+              <a:t>2022-12-11</a:t>
             </a:fld>
             <a:endParaRPr lang="ko-KR" altLang="en-US"/>
           </a:p>
@@ -2109,7 +2110,7 @@
           <a:p>
             <a:fld id="{52D00532-A6D4-4250-BED2-DE376C78C0B3}" type="datetimeFigureOut">
               <a:rPr lang="ko-KR" altLang="en-US" smtClean="0"/>
-              <a:t>2022-12-09</a:t>
+              <a:t>2022-12-11</a:t>
             </a:fld>
             <a:endParaRPr lang="ko-KR" altLang="en-US"/>
           </a:p>
@@ -2362,7 +2363,7 @@
           <a:p>
             <a:fld id="{52D00532-A6D4-4250-BED2-DE376C78C0B3}" type="datetimeFigureOut">
               <a:rPr lang="ko-KR" altLang="en-US" smtClean="0"/>
-              <a:t>2022-12-09</a:t>
+              <a:t>2022-12-11</a:t>
             </a:fld>
             <a:endParaRPr lang="ko-KR" altLang="en-US"/>
           </a:p>
@@ -2575,7 +2576,7 @@
           <a:p>
             <a:fld id="{52D00532-A6D4-4250-BED2-DE376C78C0B3}" type="datetimeFigureOut">
               <a:rPr lang="ko-KR" altLang="en-US" smtClean="0"/>
-              <a:t>2022-12-09</a:t>
+              <a:t>2022-12-11</a:t>
             </a:fld>
             <a:endParaRPr lang="ko-KR" altLang="en-US"/>
           </a:p>
@@ -3643,6 +3644,1997 @@
 </p:sld>
 </file>
 
+<file path=ppt/slides/slide2.xml><?xml version="1.0" encoding="utf-8"?>
+<p:sld xmlns:a="http://schemas.openxmlformats.org/drawingml/2006/main" xmlns:r="http://schemas.openxmlformats.org/officeDocument/2006/relationships" xmlns:p="http://schemas.openxmlformats.org/presentationml/2006/main">
+  <p:cSld>
+    <p:spTree>
+      <p:nvGrpSpPr>
+        <p:cNvPr id="1" name=""/>
+        <p:cNvGrpSpPr/>
+        <p:nvPr/>
+      </p:nvGrpSpPr>
+      <p:grpSpPr>
+        <a:xfrm>
+          <a:off x="0" y="0"/>
+          <a:ext cx="0" cy="0"/>
+          <a:chOff x="0" y="0"/>
+          <a:chExt cx="0" cy="0"/>
+        </a:xfrm>
+      </p:grpSpPr>
+      <p:grpSp>
+        <p:nvGrpSpPr>
+          <p:cNvPr id="74" name="그룹 73"/>
+          <p:cNvGrpSpPr/>
+          <p:nvPr/>
+        </p:nvGrpSpPr>
+        <p:grpSpPr>
+          <a:xfrm>
+            <a:off x="291000" y="593999"/>
+            <a:ext cx="11610000" cy="4905001"/>
+            <a:chOff x="291000" y="593999"/>
+            <a:chExt cx="11610000" cy="4905001"/>
+          </a:xfrm>
+        </p:grpSpPr>
+        <p:grpSp>
+          <p:nvGrpSpPr>
+            <p:cNvPr id="25" name="그룹 24"/>
+            <p:cNvGrpSpPr/>
+            <p:nvPr/>
+          </p:nvGrpSpPr>
+          <p:grpSpPr>
+            <a:xfrm>
+              <a:off x="1173896" y="1359000"/>
+              <a:ext cx="5988658" cy="495000"/>
+              <a:chOff x="2811000" y="1359000"/>
+              <a:chExt cx="5988658" cy="495000"/>
+            </a:xfrm>
+          </p:grpSpPr>
+          <p:sp>
+            <p:nvSpPr>
+              <p:cNvPr id="4" name="직사각형 3"/>
+              <p:cNvSpPr/>
+              <p:nvPr/>
+            </p:nvSpPr>
+            <p:spPr>
+              <a:xfrm>
+                <a:off x="2811000" y="1359000"/>
+                <a:ext cx="855000" cy="495000"/>
+              </a:xfrm>
+              <a:prstGeom prst="rect">
+                <a:avLst/>
+              </a:prstGeom>
+              <a:noFill/>
+            </p:spPr>
+            <p:style>
+              <a:lnRef idx="2">
+                <a:schemeClr val="accent1">
+                  <a:shade val="50000"/>
+                </a:schemeClr>
+              </a:lnRef>
+              <a:fillRef idx="1">
+                <a:schemeClr val="accent1"/>
+              </a:fillRef>
+              <a:effectRef idx="0">
+                <a:schemeClr val="accent1"/>
+              </a:effectRef>
+              <a:fontRef idx="minor">
+                <a:schemeClr val="lt1"/>
+              </a:fontRef>
+            </p:style>
+            <p:txBody>
+              <a:bodyPr rtlCol="0" anchor="ctr"/>
+              <a:lstStyle/>
+              <a:p>
+                <a:pPr algn="ctr"/>
+                <a:r>
+                  <a:rPr lang="ko-KR" altLang="en-US" sz="1200" dirty="0" smtClean="0">
+                    <a:solidFill>
+                      <a:schemeClr val="tx1"/>
+                    </a:solidFill>
+                  </a:rPr>
+                  <a:t>전체</a:t>
+                </a:r>
+                <a:endParaRPr lang="ko-KR" altLang="en-US" sz="1200" dirty="0">
+                  <a:solidFill>
+                    <a:schemeClr val="tx1"/>
+                  </a:solidFill>
+                </a:endParaRPr>
+              </a:p>
+            </p:txBody>
+          </p:sp>
+          <p:sp>
+            <p:nvSpPr>
+              <p:cNvPr id="5" name="직사각형 4"/>
+              <p:cNvSpPr/>
+              <p:nvPr/>
+            </p:nvSpPr>
+            <p:spPr>
+              <a:xfrm>
+                <a:off x="3664171" y="1359000"/>
+                <a:ext cx="855000" cy="495000"/>
+              </a:xfrm>
+              <a:prstGeom prst="rect">
+                <a:avLst/>
+              </a:prstGeom>
+              <a:noFill/>
+            </p:spPr>
+            <p:style>
+              <a:lnRef idx="2">
+                <a:schemeClr val="accent1">
+                  <a:shade val="50000"/>
+                </a:schemeClr>
+              </a:lnRef>
+              <a:fillRef idx="1">
+                <a:schemeClr val="accent1"/>
+              </a:fillRef>
+              <a:effectRef idx="0">
+                <a:schemeClr val="accent1"/>
+              </a:effectRef>
+              <a:fontRef idx="minor">
+                <a:schemeClr val="lt1"/>
+              </a:fontRef>
+            </p:style>
+            <p:txBody>
+              <a:bodyPr rtlCol="0" anchor="ctr"/>
+              <a:lstStyle/>
+              <a:p>
+                <a:pPr algn="ctr"/>
+                <a:r>
+                  <a:rPr lang="ko-KR" altLang="en-US" sz="1200" dirty="0" smtClean="0">
+                    <a:solidFill>
+                      <a:schemeClr val="tx1"/>
+                    </a:solidFill>
+                  </a:rPr>
+                  <a:t>공학계열</a:t>
+                </a:r>
+                <a:endParaRPr lang="ko-KR" altLang="en-US" sz="1200" dirty="0">
+                  <a:solidFill>
+                    <a:schemeClr val="tx1"/>
+                  </a:solidFill>
+                </a:endParaRPr>
+              </a:p>
+            </p:txBody>
+          </p:sp>
+          <p:sp>
+            <p:nvSpPr>
+              <p:cNvPr id="6" name="직사각형 5"/>
+              <p:cNvSpPr/>
+              <p:nvPr/>
+            </p:nvSpPr>
+            <p:spPr>
+              <a:xfrm>
+                <a:off x="4521000" y="1359000"/>
+                <a:ext cx="855000" cy="495000"/>
+              </a:xfrm>
+              <a:prstGeom prst="rect">
+                <a:avLst/>
+              </a:prstGeom>
+              <a:noFill/>
+            </p:spPr>
+            <p:style>
+              <a:lnRef idx="2">
+                <a:schemeClr val="accent1">
+                  <a:shade val="50000"/>
+                </a:schemeClr>
+              </a:lnRef>
+              <a:fillRef idx="1">
+                <a:schemeClr val="accent1"/>
+              </a:fillRef>
+              <a:effectRef idx="0">
+                <a:schemeClr val="accent1"/>
+              </a:effectRef>
+              <a:fontRef idx="minor">
+                <a:schemeClr val="lt1"/>
+              </a:fontRef>
+            </p:style>
+            <p:txBody>
+              <a:bodyPr rtlCol="0" anchor="ctr"/>
+              <a:lstStyle/>
+              <a:p>
+                <a:pPr algn="ctr"/>
+                <a:r>
+                  <a:rPr lang="ko-KR" altLang="en-US" sz="1200" dirty="0" smtClean="0">
+                    <a:solidFill>
+                      <a:schemeClr val="tx1"/>
+                    </a:solidFill>
+                  </a:rPr>
+                  <a:t>사회계열</a:t>
+                </a:r>
+                <a:endParaRPr lang="ko-KR" altLang="en-US" sz="1200" dirty="0">
+                  <a:solidFill>
+                    <a:schemeClr val="tx1"/>
+                  </a:solidFill>
+                </a:endParaRPr>
+              </a:p>
+            </p:txBody>
+          </p:sp>
+          <p:sp>
+            <p:nvSpPr>
+              <p:cNvPr id="7" name="직사각형 6"/>
+              <p:cNvSpPr/>
+              <p:nvPr/>
+            </p:nvSpPr>
+            <p:spPr>
+              <a:xfrm>
+                <a:off x="5374171" y="1359000"/>
+                <a:ext cx="855000" cy="495000"/>
+              </a:xfrm>
+              <a:prstGeom prst="rect">
+                <a:avLst/>
+              </a:prstGeom>
+              <a:noFill/>
+            </p:spPr>
+            <p:style>
+              <a:lnRef idx="2">
+                <a:schemeClr val="accent1">
+                  <a:shade val="50000"/>
+                </a:schemeClr>
+              </a:lnRef>
+              <a:fillRef idx="1">
+                <a:schemeClr val="accent1"/>
+              </a:fillRef>
+              <a:effectRef idx="0">
+                <a:schemeClr val="accent1"/>
+              </a:effectRef>
+              <a:fontRef idx="minor">
+                <a:schemeClr val="lt1"/>
+              </a:fontRef>
+            </p:style>
+            <p:txBody>
+              <a:bodyPr rtlCol="0" anchor="ctr"/>
+              <a:lstStyle/>
+              <a:p>
+                <a:pPr algn="ctr"/>
+                <a:r>
+                  <a:rPr lang="en-US" altLang="ko-KR" sz="1200" dirty="0" smtClean="0">
+                    <a:solidFill>
+                      <a:schemeClr val="tx1"/>
+                    </a:solidFill>
+                  </a:rPr>
+                  <a:t>…</a:t>
+                </a:r>
+                <a:endParaRPr lang="ko-KR" altLang="en-US" sz="1200" dirty="0">
+                  <a:solidFill>
+                    <a:schemeClr val="tx1"/>
+                  </a:solidFill>
+                </a:endParaRPr>
+              </a:p>
+            </p:txBody>
+          </p:sp>
+          <p:sp>
+            <p:nvSpPr>
+              <p:cNvPr id="8" name="직사각형 7"/>
+              <p:cNvSpPr/>
+              <p:nvPr/>
+            </p:nvSpPr>
+            <p:spPr>
+              <a:xfrm>
+                <a:off x="6238316" y="1359000"/>
+                <a:ext cx="855000" cy="495000"/>
+              </a:xfrm>
+              <a:prstGeom prst="rect">
+                <a:avLst/>
+              </a:prstGeom>
+              <a:noFill/>
+            </p:spPr>
+            <p:style>
+              <a:lnRef idx="2">
+                <a:schemeClr val="accent1">
+                  <a:shade val="50000"/>
+                </a:schemeClr>
+              </a:lnRef>
+              <a:fillRef idx="1">
+                <a:schemeClr val="accent1"/>
+              </a:fillRef>
+              <a:effectRef idx="0">
+                <a:schemeClr val="accent1"/>
+              </a:effectRef>
+              <a:fontRef idx="minor">
+                <a:schemeClr val="lt1"/>
+              </a:fontRef>
+            </p:style>
+            <p:txBody>
+              <a:bodyPr rtlCol="0" anchor="ctr"/>
+              <a:lstStyle/>
+              <a:p>
+                <a:pPr algn="ctr"/>
+                <a:r>
+                  <a:rPr lang="ko-KR" altLang="en-US" sz="1200" spc="-300" dirty="0">
+                    <a:solidFill>
+                      <a:schemeClr val="tx1"/>
+                    </a:solidFill>
+                  </a:rPr>
+                  <a:t>컴퓨터</a:t>
+                </a:r>
+                <a:r>
+                  <a:rPr lang="en-US" altLang="ko-KR" sz="1200" spc="-300" dirty="0">
+                    <a:solidFill>
+                      <a:schemeClr val="tx1"/>
+                    </a:solidFill>
+                  </a:rPr>
+                  <a:t>·</a:t>
+                </a:r>
+                <a:r>
+                  <a:rPr lang="ko-KR" altLang="en-US" sz="1200" spc="-300" dirty="0" smtClean="0">
+                    <a:solidFill>
+                      <a:schemeClr val="tx1"/>
+                    </a:solidFill>
+                  </a:rPr>
+                  <a:t>통신</a:t>
+                </a:r>
+                <a:endParaRPr lang="ko-KR" altLang="en-US" sz="1200" spc="-300" dirty="0">
+                  <a:solidFill>
+                    <a:schemeClr val="tx1"/>
+                  </a:solidFill>
+                </a:endParaRPr>
+              </a:p>
+            </p:txBody>
+          </p:sp>
+          <p:sp>
+            <p:nvSpPr>
+              <p:cNvPr id="9" name="직사각형 8"/>
+              <p:cNvSpPr/>
+              <p:nvPr/>
+            </p:nvSpPr>
+            <p:spPr>
+              <a:xfrm>
+                <a:off x="7091487" y="1359000"/>
+                <a:ext cx="855000" cy="495000"/>
+              </a:xfrm>
+              <a:prstGeom prst="rect">
+                <a:avLst/>
+              </a:prstGeom>
+              <a:noFill/>
+            </p:spPr>
+            <p:style>
+              <a:lnRef idx="2">
+                <a:schemeClr val="accent1">
+                  <a:shade val="50000"/>
+                </a:schemeClr>
+              </a:lnRef>
+              <a:fillRef idx="1">
+                <a:schemeClr val="accent1"/>
+              </a:fillRef>
+              <a:effectRef idx="0">
+                <a:schemeClr val="accent1"/>
+              </a:effectRef>
+              <a:fontRef idx="minor">
+                <a:schemeClr val="lt1"/>
+              </a:fontRef>
+            </p:style>
+            <p:txBody>
+              <a:bodyPr rtlCol="0" anchor="ctr"/>
+              <a:lstStyle/>
+              <a:p>
+                <a:pPr algn="ctr"/>
+                <a:r>
+                  <a:rPr lang="en-US" altLang="ko-KR" sz="1200" dirty="0" smtClean="0">
+                    <a:solidFill>
+                      <a:schemeClr val="tx1"/>
+                    </a:solidFill>
+                  </a:rPr>
+                  <a:t>…</a:t>
+                </a:r>
+                <a:endParaRPr lang="ko-KR" altLang="en-US" sz="1200" dirty="0">
+                  <a:solidFill>
+                    <a:schemeClr val="tx1"/>
+                  </a:solidFill>
+                </a:endParaRPr>
+              </a:p>
+            </p:txBody>
+          </p:sp>
+          <p:sp>
+            <p:nvSpPr>
+              <p:cNvPr id="10" name="직사각형 9"/>
+              <p:cNvSpPr/>
+              <p:nvPr/>
+            </p:nvSpPr>
+            <p:spPr>
+              <a:xfrm>
+                <a:off x="7944658" y="1359000"/>
+                <a:ext cx="855000" cy="495000"/>
+              </a:xfrm>
+              <a:prstGeom prst="rect">
+                <a:avLst/>
+              </a:prstGeom>
+              <a:noFill/>
+            </p:spPr>
+            <p:style>
+              <a:lnRef idx="2">
+                <a:schemeClr val="accent1">
+                  <a:shade val="50000"/>
+                </a:schemeClr>
+              </a:lnRef>
+              <a:fillRef idx="1">
+                <a:schemeClr val="accent1"/>
+              </a:fillRef>
+              <a:effectRef idx="0">
+                <a:schemeClr val="accent1"/>
+              </a:effectRef>
+              <a:fontRef idx="minor">
+                <a:schemeClr val="lt1"/>
+              </a:fontRef>
+            </p:style>
+            <p:txBody>
+              <a:bodyPr rtlCol="0" anchor="ctr"/>
+              <a:lstStyle/>
+              <a:p>
+                <a:pPr algn="ctr"/>
+                <a:r>
+                  <a:rPr lang="ko-KR" altLang="en-US" sz="1200" spc="-150" smtClean="0">
+                    <a:solidFill>
+                      <a:schemeClr val="tx1"/>
+                    </a:solidFill>
+                  </a:rPr>
+                  <a:t>인문과학</a:t>
+                </a:r>
+                <a:endParaRPr lang="ko-KR" altLang="en-US" sz="1200" spc="-150" dirty="0">
+                  <a:solidFill>
+                    <a:schemeClr val="tx1"/>
+                  </a:solidFill>
+                </a:endParaRPr>
+              </a:p>
+            </p:txBody>
+          </p:sp>
+        </p:grpSp>
+        <p:grpSp>
+          <p:nvGrpSpPr>
+            <p:cNvPr id="26" name="그룹 25"/>
+            <p:cNvGrpSpPr/>
+            <p:nvPr/>
+          </p:nvGrpSpPr>
+          <p:grpSpPr>
+            <a:xfrm>
+              <a:off x="1173896" y="2664000"/>
+              <a:ext cx="5988658" cy="495000"/>
+              <a:chOff x="2811000" y="2664000"/>
+              <a:chExt cx="5988658" cy="495000"/>
+            </a:xfrm>
+          </p:grpSpPr>
+          <p:sp>
+            <p:nvSpPr>
+              <p:cNvPr id="11" name="직사각형 10"/>
+              <p:cNvSpPr/>
+              <p:nvPr/>
+            </p:nvSpPr>
+            <p:spPr>
+              <a:xfrm>
+                <a:off x="2811000" y="2664000"/>
+                <a:ext cx="855000" cy="495000"/>
+              </a:xfrm>
+              <a:prstGeom prst="rect">
+                <a:avLst/>
+              </a:prstGeom>
+              <a:noFill/>
+            </p:spPr>
+            <p:style>
+              <a:lnRef idx="2">
+                <a:schemeClr val="accent1">
+                  <a:shade val="50000"/>
+                </a:schemeClr>
+              </a:lnRef>
+              <a:fillRef idx="1">
+                <a:schemeClr val="accent1"/>
+              </a:fillRef>
+              <a:effectRef idx="0">
+                <a:schemeClr val="accent1"/>
+              </a:effectRef>
+              <a:fontRef idx="minor">
+                <a:schemeClr val="lt1"/>
+              </a:fontRef>
+            </p:style>
+            <p:txBody>
+              <a:bodyPr rtlCol="0" anchor="ctr"/>
+              <a:lstStyle/>
+              <a:p>
+                <a:pPr algn="ctr"/>
+                <a:r>
+                  <a:rPr lang="en-US" altLang="ko-KR" sz="1200" dirty="0" smtClean="0">
+                    <a:solidFill>
+                      <a:schemeClr val="tx1"/>
+                    </a:solidFill>
+                  </a:rPr>
+                  <a:t>‘’</a:t>
+                </a:r>
+                <a:endParaRPr lang="ko-KR" altLang="en-US" sz="1200" dirty="0">
+                  <a:solidFill>
+                    <a:schemeClr val="tx1"/>
+                  </a:solidFill>
+                </a:endParaRPr>
+              </a:p>
+            </p:txBody>
+          </p:sp>
+          <p:sp>
+            <p:nvSpPr>
+              <p:cNvPr id="12" name="직사각형 11"/>
+              <p:cNvSpPr/>
+              <p:nvPr/>
+            </p:nvSpPr>
+            <p:spPr>
+              <a:xfrm>
+                <a:off x="3664171" y="2664000"/>
+                <a:ext cx="855000" cy="495000"/>
+              </a:xfrm>
+              <a:prstGeom prst="rect">
+                <a:avLst/>
+              </a:prstGeom>
+              <a:noFill/>
+            </p:spPr>
+            <p:style>
+              <a:lnRef idx="2">
+                <a:schemeClr val="accent1">
+                  <a:shade val="50000"/>
+                </a:schemeClr>
+              </a:lnRef>
+              <a:fillRef idx="1">
+                <a:schemeClr val="accent1"/>
+              </a:fillRef>
+              <a:effectRef idx="0">
+                <a:schemeClr val="accent1"/>
+              </a:effectRef>
+              <a:fontRef idx="minor">
+                <a:schemeClr val="lt1"/>
+              </a:fontRef>
+            </p:style>
+            <p:txBody>
+              <a:bodyPr rtlCol="0" anchor="ctr"/>
+              <a:lstStyle/>
+              <a:p>
+                <a:pPr algn="ctr"/>
+                <a:r>
+                  <a:rPr lang="ko-KR" altLang="en-US" sz="1200" dirty="0" smtClean="0">
+                    <a:solidFill>
+                      <a:schemeClr val="tx1"/>
+                    </a:solidFill>
+                  </a:rPr>
+                  <a:t>전체</a:t>
+                </a:r>
+                <a:endParaRPr lang="ko-KR" altLang="en-US" sz="1200" dirty="0">
+                  <a:solidFill>
+                    <a:schemeClr val="tx1"/>
+                  </a:solidFill>
+                </a:endParaRPr>
+              </a:p>
+            </p:txBody>
+          </p:sp>
+          <p:sp>
+            <p:nvSpPr>
+              <p:cNvPr id="13" name="직사각형 12"/>
+              <p:cNvSpPr/>
+              <p:nvPr/>
+            </p:nvSpPr>
+            <p:spPr>
+              <a:xfrm>
+                <a:off x="4521000" y="2664000"/>
+                <a:ext cx="855000" cy="495000"/>
+              </a:xfrm>
+              <a:prstGeom prst="rect">
+                <a:avLst/>
+              </a:prstGeom>
+              <a:noFill/>
+            </p:spPr>
+            <p:style>
+              <a:lnRef idx="2">
+                <a:schemeClr val="accent1">
+                  <a:shade val="50000"/>
+                </a:schemeClr>
+              </a:lnRef>
+              <a:fillRef idx="1">
+                <a:schemeClr val="accent1"/>
+              </a:fillRef>
+              <a:effectRef idx="0">
+                <a:schemeClr val="accent1"/>
+              </a:effectRef>
+              <a:fontRef idx="minor">
+                <a:schemeClr val="lt1"/>
+              </a:fontRef>
+            </p:style>
+            <p:txBody>
+              <a:bodyPr rtlCol="0" anchor="ctr"/>
+              <a:lstStyle/>
+              <a:p>
+                <a:pPr algn="ctr"/>
+                <a:r>
+                  <a:rPr lang="ko-KR" altLang="en-US" sz="1200" dirty="0" smtClean="0">
+                    <a:solidFill>
+                      <a:schemeClr val="tx1"/>
+                    </a:solidFill>
+                  </a:rPr>
+                  <a:t>전체</a:t>
+                </a:r>
+                <a:endParaRPr lang="ko-KR" altLang="en-US" sz="1200" dirty="0">
+                  <a:solidFill>
+                    <a:schemeClr val="tx1"/>
+                  </a:solidFill>
+                </a:endParaRPr>
+              </a:p>
+            </p:txBody>
+          </p:sp>
+          <p:sp>
+            <p:nvSpPr>
+              <p:cNvPr id="14" name="직사각형 13"/>
+              <p:cNvSpPr/>
+              <p:nvPr/>
+            </p:nvSpPr>
+            <p:spPr>
+              <a:xfrm>
+                <a:off x="5374171" y="2664000"/>
+                <a:ext cx="855000" cy="495000"/>
+              </a:xfrm>
+              <a:prstGeom prst="rect">
+                <a:avLst/>
+              </a:prstGeom>
+              <a:noFill/>
+            </p:spPr>
+            <p:style>
+              <a:lnRef idx="2">
+                <a:schemeClr val="accent1">
+                  <a:shade val="50000"/>
+                </a:schemeClr>
+              </a:lnRef>
+              <a:fillRef idx="1">
+                <a:schemeClr val="accent1"/>
+              </a:fillRef>
+              <a:effectRef idx="0">
+                <a:schemeClr val="accent1"/>
+              </a:effectRef>
+              <a:fontRef idx="minor">
+                <a:schemeClr val="lt1"/>
+              </a:fontRef>
+            </p:style>
+            <p:txBody>
+              <a:bodyPr rtlCol="0" anchor="ctr"/>
+              <a:lstStyle/>
+              <a:p>
+                <a:pPr algn="ctr"/>
+                <a:r>
+                  <a:rPr lang="en-US" altLang="ko-KR" sz="1200" dirty="0" smtClean="0">
+                    <a:solidFill>
+                      <a:schemeClr val="tx1"/>
+                    </a:solidFill>
+                  </a:rPr>
+                  <a:t>…</a:t>
+                </a:r>
+                <a:endParaRPr lang="ko-KR" altLang="en-US" sz="1200" dirty="0">
+                  <a:solidFill>
+                    <a:schemeClr val="tx1"/>
+                  </a:solidFill>
+                </a:endParaRPr>
+              </a:p>
+            </p:txBody>
+          </p:sp>
+          <p:sp>
+            <p:nvSpPr>
+              <p:cNvPr id="15" name="직사각형 14"/>
+              <p:cNvSpPr/>
+              <p:nvPr/>
+            </p:nvSpPr>
+            <p:spPr>
+              <a:xfrm>
+                <a:off x="6238316" y="2664000"/>
+                <a:ext cx="855000" cy="495000"/>
+              </a:xfrm>
+              <a:prstGeom prst="rect">
+                <a:avLst/>
+              </a:prstGeom>
+              <a:noFill/>
+            </p:spPr>
+            <p:style>
+              <a:lnRef idx="2">
+                <a:schemeClr val="accent1">
+                  <a:shade val="50000"/>
+                </a:schemeClr>
+              </a:lnRef>
+              <a:fillRef idx="1">
+                <a:schemeClr val="accent1"/>
+              </a:fillRef>
+              <a:effectRef idx="0">
+                <a:schemeClr val="accent1"/>
+              </a:effectRef>
+              <a:fontRef idx="minor">
+                <a:schemeClr val="lt1"/>
+              </a:fontRef>
+            </p:style>
+            <p:txBody>
+              <a:bodyPr rtlCol="0" anchor="ctr"/>
+              <a:lstStyle/>
+              <a:p>
+                <a:pPr algn="ctr"/>
+                <a:r>
+                  <a:rPr lang="ko-KR" altLang="en-US" sz="1200" dirty="0" smtClean="0">
+                    <a:solidFill>
+                      <a:schemeClr val="tx1"/>
+                    </a:solidFill>
+                  </a:rPr>
+                  <a:t>공학계열</a:t>
+                </a:r>
+                <a:endParaRPr lang="ko-KR" altLang="en-US" sz="1200" dirty="0">
+                  <a:solidFill>
+                    <a:schemeClr val="tx1"/>
+                  </a:solidFill>
+                </a:endParaRPr>
+              </a:p>
+            </p:txBody>
+          </p:sp>
+          <p:sp>
+            <p:nvSpPr>
+              <p:cNvPr id="16" name="직사각형 15"/>
+              <p:cNvSpPr/>
+              <p:nvPr/>
+            </p:nvSpPr>
+            <p:spPr>
+              <a:xfrm>
+                <a:off x="7091487" y="2664000"/>
+                <a:ext cx="855000" cy="495000"/>
+              </a:xfrm>
+              <a:prstGeom prst="rect">
+                <a:avLst/>
+              </a:prstGeom>
+              <a:noFill/>
+            </p:spPr>
+            <p:style>
+              <a:lnRef idx="2">
+                <a:schemeClr val="accent1">
+                  <a:shade val="50000"/>
+                </a:schemeClr>
+              </a:lnRef>
+              <a:fillRef idx="1">
+                <a:schemeClr val="accent1"/>
+              </a:fillRef>
+              <a:effectRef idx="0">
+                <a:schemeClr val="accent1"/>
+              </a:effectRef>
+              <a:fontRef idx="minor">
+                <a:schemeClr val="lt1"/>
+              </a:fontRef>
+            </p:style>
+            <p:txBody>
+              <a:bodyPr rtlCol="0" anchor="ctr"/>
+              <a:lstStyle/>
+              <a:p>
+                <a:pPr algn="ctr"/>
+                <a:r>
+                  <a:rPr lang="en-US" altLang="ko-KR" sz="1200" dirty="0" smtClean="0">
+                    <a:solidFill>
+                      <a:schemeClr val="tx1"/>
+                    </a:solidFill>
+                  </a:rPr>
+                  <a:t>…</a:t>
+                </a:r>
+                <a:endParaRPr lang="ko-KR" altLang="en-US" sz="1200" dirty="0">
+                  <a:solidFill>
+                    <a:schemeClr val="tx1"/>
+                  </a:solidFill>
+                </a:endParaRPr>
+              </a:p>
+            </p:txBody>
+          </p:sp>
+          <p:sp>
+            <p:nvSpPr>
+              <p:cNvPr id="17" name="직사각형 16"/>
+              <p:cNvSpPr/>
+              <p:nvPr/>
+            </p:nvSpPr>
+            <p:spPr>
+              <a:xfrm>
+                <a:off x="7944658" y="2664000"/>
+                <a:ext cx="855000" cy="495000"/>
+              </a:xfrm>
+              <a:prstGeom prst="rect">
+                <a:avLst/>
+              </a:prstGeom>
+              <a:noFill/>
+            </p:spPr>
+            <p:style>
+              <a:lnRef idx="2">
+                <a:schemeClr val="accent1">
+                  <a:shade val="50000"/>
+                </a:schemeClr>
+              </a:lnRef>
+              <a:fillRef idx="1">
+                <a:schemeClr val="accent1"/>
+              </a:fillRef>
+              <a:effectRef idx="0">
+                <a:schemeClr val="accent1"/>
+              </a:effectRef>
+              <a:fontRef idx="minor">
+                <a:schemeClr val="lt1"/>
+              </a:fontRef>
+            </p:style>
+            <p:txBody>
+              <a:bodyPr rtlCol="0" anchor="ctr"/>
+              <a:lstStyle/>
+              <a:p>
+                <a:pPr algn="ctr"/>
+                <a:r>
+                  <a:rPr lang="ko-KR" altLang="en-US" sz="1200" dirty="0" smtClean="0">
+                    <a:solidFill>
+                      <a:schemeClr val="tx1"/>
+                    </a:solidFill>
+                  </a:rPr>
+                  <a:t>인문계열</a:t>
+                </a:r>
+                <a:endParaRPr lang="ko-KR" altLang="en-US" sz="1200" dirty="0">
+                  <a:solidFill>
+                    <a:schemeClr val="tx1"/>
+                  </a:solidFill>
+                </a:endParaRPr>
+              </a:p>
+            </p:txBody>
+          </p:sp>
+        </p:grpSp>
+        <p:grpSp>
+          <p:nvGrpSpPr>
+            <p:cNvPr id="27" name="그룹 26"/>
+            <p:cNvGrpSpPr/>
+            <p:nvPr/>
+          </p:nvGrpSpPr>
+          <p:grpSpPr>
+            <a:xfrm>
+              <a:off x="1173896" y="3969194"/>
+              <a:ext cx="5988658" cy="495000"/>
+              <a:chOff x="2811000" y="3969194"/>
+              <a:chExt cx="5988658" cy="495000"/>
+            </a:xfrm>
+          </p:grpSpPr>
+          <p:sp>
+            <p:nvSpPr>
+              <p:cNvPr id="18" name="직사각형 17"/>
+              <p:cNvSpPr/>
+              <p:nvPr/>
+            </p:nvSpPr>
+            <p:spPr>
+              <a:xfrm>
+                <a:off x="2811000" y="3969194"/>
+                <a:ext cx="855000" cy="495000"/>
+              </a:xfrm>
+              <a:prstGeom prst="rect">
+                <a:avLst/>
+              </a:prstGeom>
+              <a:noFill/>
+            </p:spPr>
+            <p:style>
+              <a:lnRef idx="2">
+                <a:schemeClr val="accent1">
+                  <a:shade val="50000"/>
+                </a:schemeClr>
+              </a:lnRef>
+              <a:fillRef idx="1">
+                <a:schemeClr val="accent1"/>
+              </a:fillRef>
+              <a:effectRef idx="0">
+                <a:schemeClr val="accent1"/>
+              </a:effectRef>
+              <a:fontRef idx="minor">
+                <a:schemeClr val="lt1"/>
+              </a:fontRef>
+            </p:style>
+            <p:txBody>
+              <a:bodyPr rtlCol="0" anchor="ctr"/>
+              <a:lstStyle/>
+              <a:p>
+                <a:pPr algn="ctr"/>
+                <a:r>
+                  <a:rPr lang="en-US" altLang="ko-KR" sz="1200" dirty="0" smtClean="0">
+                    <a:solidFill>
+                      <a:schemeClr val="tx1"/>
+                    </a:solidFill>
+                  </a:rPr>
+                  <a:t>85398</a:t>
+                </a:r>
+                <a:endParaRPr lang="ko-KR" altLang="en-US" sz="1200" dirty="0">
+                  <a:solidFill>
+                    <a:schemeClr val="tx1"/>
+                  </a:solidFill>
+                </a:endParaRPr>
+              </a:p>
+            </p:txBody>
+          </p:sp>
+          <p:sp>
+            <p:nvSpPr>
+              <p:cNvPr id="19" name="직사각형 18"/>
+              <p:cNvSpPr/>
+              <p:nvPr/>
+            </p:nvSpPr>
+            <p:spPr>
+              <a:xfrm>
+                <a:off x="3664171" y="3969194"/>
+                <a:ext cx="855000" cy="495000"/>
+              </a:xfrm>
+              <a:prstGeom prst="rect">
+                <a:avLst/>
+              </a:prstGeom>
+              <a:noFill/>
+            </p:spPr>
+            <p:style>
+              <a:lnRef idx="2">
+                <a:schemeClr val="accent1">
+                  <a:shade val="50000"/>
+                </a:schemeClr>
+              </a:lnRef>
+              <a:fillRef idx="1">
+                <a:schemeClr val="accent1"/>
+              </a:fillRef>
+              <a:effectRef idx="0">
+                <a:schemeClr val="accent1"/>
+              </a:effectRef>
+              <a:fontRef idx="minor">
+                <a:schemeClr val="lt1"/>
+              </a:fontRef>
+            </p:style>
+            <p:txBody>
+              <a:bodyPr rtlCol="0" anchor="ctr"/>
+              <a:lstStyle/>
+              <a:p>
+                <a:pPr algn="ctr"/>
+                <a:r>
+                  <a:rPr lang="en-US" altLang="ko-KR" sz="1200" dirty="0" smtClean="0">
+                    <a:solidFill>
+                      <a:schemeClr val="tx1"/>
+                    </a:solidFill>
+                  </a:rPr>
+                  <a:t>26093</a:t>
+                </a:r>
+                <a:endParaRPr lang="ko-KR" altLang="en-US" sz="1200" dirty="0">
+                  <a:solidFill>
+                    <a:schemeClr val="tx1"/>
+                  </a:solidFill>
+                </a:endParaRPr>
+              </a:p>
+            </p:txBody>
+          </p:sp>
+          <p:sp>
+            <p:nvSpPr>
+              <p:cNvPr id="20" name="직사각형 19"/>
+              <p:cNvSpPr/>
+              <p:nvPr/>
+            </p:nvSpPr>
+            <p:spPr>
+              <a:xfrm>
+                <a:off x="4521000" y="3969194"/>
+                <a:ext cx="855000" cy="495000"/>
+              </a:xfrm>
+              <a:prstGeom prst="rect">
+                <a:avLst/>
+              </a:prstGeom>
+              <a:noFill/>
+            </p:spPr>
+            <p:style>
+              <a:lnRef idx="2">
+                <a:schemeClr val="accent1">
+                  <a:shade val="50000"/>
+                </a:schemeClr>
+              </a:lnRef>
+              <a:fillRef idx="1">
+                <a:schemeClr val="accent1"/>
+              </a:fillRef>
+              <a:effectRef idx="0">
+                <a:schemeClr val="accent1"/>
+              </a:effectRef>
+              <a:fontRef idx="minor">
+                <a:schemeClr val="lt1"/>
+              </a:fontRef>
+            </p:style>
+            <p:txBody>
+              <a:bodyPr rtlCol="0" anchor="ctr"/>
+              <a:lstStyle/>
+              <a:p>
+                <a:pPr algn="ctr"/>
+                <a:r>
+                  <a:rPr lang="en-US" altLang="ko-KR" sz="1200" dirty="0" smtClean="0">
+                    <a:solidFill>
+                      <a:schemeClr val="tx1"/>
+                    </a:solidFill>
+                  </a:rPr>
+                  <a:t>17749</a:t>
+                </a:r>
+                <a:endParaRPr lang="ko-KR" altLang="en-US" sz="1200" dirty="0">
+                  <a:solidFill>
+                    <a:schemeClr val="tx1"/>
+                  </a:solidFill>
+                </a:endParaRPr>
+              </a:p>
+            </p:txBody>
+          </p:sp>
+          <p:sp>
+            <p:nvSpPr>
+              <p:cNvPr id="21" name="직사각형 20"/>
+              <p:cNvSpPr/>
+              <p:nvPr/>
+            </p:nvSpPr>
+            <p:spPr>
+              <a:xfrm>
+                <a:off x="5374171" y="3969194"/>
+                <a:ext cx="855000" cy="495000"/>
+              </a:xfrm>
+              <a:prstGeom prst="rect">
+                <a:avLst/>
+              </a:prstGeom>
+              <a:noFill/>
+            </p:spPr>
+            <p:style>
+              <a:lnRef idx="2">
+                <a:schemeClr val="accent1">
+                  <a:shade val="50000"/>
+                </a:schemeClr>
+              </a:lnRef>
+              <a:fillRef idx="1">
+                <a:schemeClr val="accent1"/>
+              </a:fillRef>
+              <a:effectRef idx="0">
+                <a:schemeClr val="accent1"/>
+              </a:effectRef>
+              <a:fontRef idx="minor">
+                <a:schemeClr val="lt1"/>
+              </a:fontRef>
+            </p:style>
+            <p:txBody>
+              <a:bodyPr rtlCol="0" anchor="ctr"/>
+              <a:lstStyle/>
+              <a:p>
+                <a:pPr algn="ctr"/>
+                <a:endParaRPr lang="ko-KR" altLang="en-US" sz="1200">
+                  <a:solidFill>
+                    <a:schemeClr val="tx1"/>
+                  </a:solidFill>
+                </a:endParaRPr>
+              </a:p>
+            </p:txBody>
+          </p:sp>
+          <p:sp>
+            <p:nvSpPr>
+              <p:cNvPr id="22" name="직사각형 21"/>
+              <p:cNvSpPr/>
+              <p:nvPr/>
+            </p:nvSpPr>
+            <p:spPr>
+              <a:xfrm>
+                <a:off x="6238316" y="3969194"/>
+                <a:ext cx="855000" cy="495000"/>
+              </a:xfrm>
+              <a:prstGeom prst="rect">
+                <a:avLst/>
+              </a:prstGeom>
+              <a:noFill/>
+            </p:spPr>
+            <p:style>
+              <a:lnRef idx="2">
+                <a:schemeClr val="accent1">
+                  <a:shade val="50000"/>
+                </a:schemeClr>
+              </a:lnRef>
+              <a:fillRef idx="1">
+                <a:schemeClr val="accent1"/>
+              </a:fillRef>
+              <a:effectRef idx="0">
+                <a:schemeClr val="accent1"/>
+              </a:effectRef>
+              <a:fontRef idx="minor">
+                <a:schemeClr val="lt1"/>
+              </a:fontRef>
+            </p:style>
+            <p:txBody>
+              <a:bodyPr rtlCol="0" anchor="ctr"/>
+              <a:lstStyle/>
+              <a:p>
+                <a:pPr algn="ctr"/>
+                <a:r>
+                  <a:rPr lang="en-US" altLang="ko-KR" sz="1200" dirty="0" smtClean="0">
+                    <a:solidFill>
+                      <a:schemeClr val="tx1"/>
+                    </a:solidFill>
+                  </a:rPr>
+                  <a:t>6261</a:t>
+                </a:r>
+                <a:endParaRPr lang="ko-KR" altLang="en-US" sz="1200" dirty="0">
+                  <a:solidFill>
+                    <a:schemeClr val="tx1"/>
+                  </a:solidFill>
+                </a:endParaRPr>
+              </a:p>
+            </p:txBody>
+          </p:sp>
+          <p:sp>
+            <p:nvSpPr>
+              <p:cNvPr id="23" name="직사각형 22"/>
+              <p:cNvSpPr/>
+              <p:nvPr/>
+            </p:nvSpPr>
+            <p:spPr>
+              <a:xfrm>
+                <a:off x="7091487" y="3969194"/>
+                <a:ext cx="855000" cy="495000"/>
+              </a:xfrm>
+              <a:prstGeom prst="rect">
+                <a:avLst/>
+              </a:prstGeom>
+              <a:noFill/>
+            </p:spPr>
+            <p:style>
+              <a:lnRef idx="2">
+                <a:schemeClr val="accent1">
+                  <a:shade val="50000"/>
+                </a:schemeClr>
+              </a:lnRef>
+              <a:fillRef idx="1">
+                <a:schemeClr val="accent1"/>
+              </a:fillRef>
+              <a:effectRef idx="0">
+                <a:schemeClr val="accent1"/>
+              </a:effectRef>
+              <a:fontRef idx="minor">
+                <a:schemeClr val="lt1"/>
+              </a:fontRef>
+            </p:style>
+            <p:txBody>
+              <a:bodyPr rtlCol="0" anchor="ctr"/>
+              <a:lstStyle/>
+              <a:p>
+                <a:pPr algn="ctr"/>
+                <a:endParaRPr lang="ko-KR" altLang="en-US" sz="1200">
+                  <a:solidFill>
+                    <a:schemeClr val="tx1"/>
+                  </a:solidFill>
+                </a:endParaRPr>
+              </a:p>
+            </p:txBody>
+          </p:sp>
+          <p:sp>
+            <p:nvSpPr>
+              <p:cNvPr id="24" name="직사각형 23"/>
+              <p:cNvSpPr/>
+              <p:nvPr/>
+            </p:nvSpPr>
+            <p:spPr>
+              <a:xfrm>
+                <a:off x="7944658" y="3969194"/>
+                <a:ext cx="855000" cy="495000"/>
+              </a:xfrm>
+              <a:prstGeom prst="rect">
+                <a:avLst/>
+              </a:prstGeom>
+              <a:noFill/>
+            </p:spPr>
+            <p:style>
+              <a:lnRef idx="2">
+                <a:schemeClr val="accent1">
+                  <a:shade val="50000"/>
+                </a:schemeClr>
+              </a:lnRef>
+              <a:fillRef idx="1">
+                <a:schemeClr val="accent1"/>
+              </a:fillRef>
+              <a:effectRef idx="0">
+                <a:schemeClr val="accent1"/>
+              </a:effectRef>
+              <a:fontRef idx="minor">
+                <a:schemeClr val="lt1"/>
+              </a:fontRef>
+            </p:style>
+            <p:txBody>
+              <a:bodyPr rtlCol="0" anchor="ctr"/>
+              <a:lstStyle/>
+              <a:p>
+                <a:pPr algn="ctr"/>
+                <a:r>
+                  <a:rPr lang="en-US" altLang="ko-KR" sz="1200" dirty="0" smtClean="0">
+                    <a:solidFill>
+                      <a:schemeClr val="tx1"/>
+                    </a:solidFill>
+                  </a:rPr>
+                  <a:t>3036</a:t>
+                </a:r>
+                <a:endParaRPr lang="ko-KR" altLang="en-US" sz="1200" dirty="0">
+                  <a:solidFill>
+                    <a:schemeClr val="tx1"/>
+                  </a:solidFill>
+                </a:endParaRPr>
+              </a:p>
+            </p:txBody>
+          </p:sp>
+        </p:grpSp>
+        <p:sp>
+          <p:nvSpPr>
+            <p:cNvPr id="28" name="TextBox 27"/>
+            <p:cNvSpPr txBox="1"/>
+            <p:nvPr/>
+          </p:nvSpPr>
+          <p:spPr>
+            <a:xfrm>
+              <a:off x="379100" y="1421834"/>
+              <a:ext cx="777777" cy="369332"/>
+            </a:xfrm>
+            <a:prstGeom prst="rect">
+              <a:avLst/>
+            </a:prstGeom>
+            <a:noFill/>
+          </p:spPr>
+          <p:txBody>
+            <a:bodyPr wrap="none" rtlCol="0">
+              <a:spAutoFit/>
+            </a:bodyPr>
+            <a:lstStyle/>
+            <a:p>
+              <a:pPr algn="ctr"/>
+              <a:r>
+                <a:rPr lang="en-US" altLang="ko-KR" dirty="0" smtClean="0"/>
+                <a:t>labels</a:t>
+              </a:r>
+              <a:endParaRPr lang="ko-KR" altLang="en-US" dirty="0"/>
+            </a:p>
+          </p:txBody>
+        </p:sp>
+        <p:sp>
+          <p:nvSpPr>
+            <p:cNvPr id="29" name="TextBox 28"/>
+            <p:cNvSpPr txBox="1"/>
+            <p:nvPr/>
+          </p:nvSpPr>
+          <p:spPr>
+            <a:xfrm>
+              <a:off x="291000" y="2726834"/>
+              <a:ext cx="953980" cy="369332"/>
+            </a:xfrm>
+            <a:prstGeom prst="rect">
+              <a:avLst/>
+            </a:prstGeom>
+            <a:noFill/>
+          </p:spPr>
+          <p:txBody>
+            <a:bodyPr wrap="none" rtlCol="0">
+              <a:spAutoFit/>
+            </a:bodyPr>
+            <a:lstStyle/>
+            <a:p>
+              <a:pPr algn="ctr"/>
+              <a:r>
+                <a:rPr lang="en-US" altLang="ko-KR" dirty="0" smtClean="0"/>
+                <a:t>parents</a:t>
+              </a:r>
+              <a:endParaRPr lang="ko-KR" altLang="en-US" dirty="0"/>
+            </a:p>
+          </p:txBody>
+        </p:sp>
+        <p:sp>
+          <p:nvSpPr>
+            <p:cNvPr id="30" name="TextBox 29"/>
+            <p:cNvSpPr txBox="1"/>
+            <p:nvPr/>
+          </p:nvSpPr>
+          <p:spPr>
+            <a:xfrm>
+              <a:off x="355696" y="4031834"/>
+              <a:ext cx="824586" cy="369332"/>
+            </a:xfrm>
+            <a:prstGeom prst="rect">
+              <a:avLst/>
+            </a:prstGeom>
+            <a:noFill/>
+          </p:spPr>
+          <p:txBody>
+            <a:bodyPr wrap="none" rtlCol="0">
+              <a:spAutoFit/>
+            </a:bodyPr>
+            <a:lstStyle/>
+            <a:p>
+              <a:pPr algn="ctr"/>
+              <a:r>
+                <a:rPr lang="en-US" altLang="ko-KR" dirty="0" smtClean="0"/>
+                <a:t>values</a:t>
+              </a:r>
+              <a:endParaRPr lang="ko-KR" altLang="en-US" dirty="0"/>
+            </a:p>
+          </p:txBody>
+        </p:sp>
+        <p:pic>
+          <p:nvPicPr>
+            <p:cNvPr id="32" name="그림 31"/>
+            <p:cNvPicPr>
+              <a:picLocks noChangeAspect="1"/>
+            </p:cNvPicPr>
+            <p:nvPr/>
+          </p:nvPicPr>
+          <p:blipFill rotWithShape="1">
+            <a:blip r:embed="rId2">
+              <a:extLst>
+                <a:ext uri="{28A0092B-C50C-407E-A947-70E740481C1C}">
+                  <a14:useLocalDpi xmlns:a14="http://schemas.microsoft.com/office/drawing/2010/main" val="0"/>
+                </a:ext>
+              </a:extLst>
+            </a:blip>
+            <a:srcRect l="24212" t="3138" r="18504" b="6964"/>
+            <a:stretch/>
+          </p:blipFill>
+          <p:spPr>
+            <a:xfrm>
+              <a:off x="7536000" y="796499"/>
+              <a:ext cx="4365000" cy="4230001"/>
+            </a:xfrm>
+            <a:prstGeom prst="rect">
+              <a:avLst/>
+            </a:prstGeom>
+          </p:spPr>
+        </p:pic>
+        <p:sp>
+          <p:nvSpPr>
+            <p:cNvPr id="33" name="직사각형 32"/>
+            <p:cNvSpPr/>
+            <p:nvPr/>
+          </p:nvSpPr>
+          <p:spPr>
+            <a:xfrm>
+              <a:off x="1056000" y="1224000"/>
+              <a:ext cx="1042151" cy="3375000"/>
+            </a:xfrm>
+            <a:prstGeom prst="rect">
+              <a:avLst/>
+            </a:prstGeom>
+            <a:noFill/>
+            <a:ln>
+              <a:prstDash val="dash"/>
+            </a:ln>
+          </p:spPr>
+          <p:style>
+            <a:lnRef idx="2">
+              <a:schemeClr val="accent1">
+                <a:shade val="50000"/>
+              </a:schemeClr>
+            </a:lnRef>
+            <a:fillRef idx="1">
+              <a:schemeClr val="accent1"/>
+            </a:fillRef>
+            <a:effectRef idx="0">
+              <a:schemeClr val="accent1"/>
+            </a:effectRef>
+            <a:fontRef idx="minor">
+              <a:schemeClr val="lt1"/>
+            </a:fontRef>
+          </p:style>
+          <p:txBody>
+            <a:bodyPr rtlCol="0" anchor="ctr"/>
+            <a:lstStyle/>
+            <a:p>
+              <a:pPr algn="ctr"/>
+              <a:endParaRPr lang="ko-KR" altLang="en-US"/>
+            </a:p>
+          </p:txBody>
+        </p:sp>
+        <p:grpSp>
+          <p:nvGrpSpPr>
+            <p:cNvPr id="44" name="그룹 43"/>
+            <p:cNvGrpSpPr/>
+            <p:nvPr/>
+          </p:nvGrpSpPr>
+          <p:grpSpPr>
+            <a:xfrm>
+              <a:off x="1551000" y="864000"/>
+              <a:ext cx="8055000" cy="2025000"/>
+              <a:chOff x="1551000" y="864000"/>
+              <a:chExt cx="8055000" cy="2025000"/>
+            </a:xfrm>
+          </p:grpSpPr>
+          <p:cxnSp>
+            <p:nvCxnSpPr>
+              <p:cNvPr id="39" name="직선 연결선 38"/>
+              <p:cNvCxnSpPr/>
+              <p:nvPr/>
+            </p:nvCxnSpPr>
+            <p:spPr>
+              <a:xfrm flipV="1">
+                <a:off x="1551000" y="864000"/>
+                <a:ext cx="0" cy="360000"/>
+              </a:xfrm>
+              <a:prstGeom prst="line">
+                <a:avLst/>
+              </a:prstGeom>
+              <a:ln w="15875">
+                <a:solidFill>
+                  <a:schemeClr val="tx1"/>
+                </a:solidFill>
+              </a:ln>
+            </p:spPr>
+            <p:style>
+              <a:lnRef idx="1">
+                <a:schemeClr val="accent1"/>
+              </a:lnRef>
+              <a:fillRef idx="0">
+                <a:schemeClr val="accent1"/>
+              </a:fillRef>
+              <a:effectRef idx="0">
+                <a:schemeClr val="accent1"/>
+              </a:effectRef>
+              <a:fontRef idx="minor">
+                <a:schemeClr val="tx1"/>
+              </a:fontRef>
+            </p:style>
+          </p:cxnSp>
+          <p:cxnSp>
+            <p:nvCxnSpPr>
+              <p:cNvPr id="41" name="직선 연결선 40"/>
+              <p:cNvCxnSpPr/>
+              <p:nvPr/>
+            </p:nvCxnSpPr>
+            <p:spPr>
+              <a:xfrm>
+                <a:off x="1551000" y="864000"/>
+                <a:ext cx="6075000" cy="0"/>
+              </a:xfrm>
+              <a:prstGeom prst="line">
+                <a:avLst/>
+              </a:prstGeom>
+              <a:ln w="15875">
+                <a:solidFill>
+                  <a:schemeClr val="tx1"/>
+                </a:solidFill>
+              </a:ln>
+            </p:spPr>
+            <p:style>
+              <a:lnRef idx="1">
+                <a:schemeClr val="accent1"/>
+              </a:lnRef>
+              <a:fillRef idx="0">
+                <a:schemeClr val="accent1"/>
+              </a:fillRef>
+              <a:effectRef idx="0">
+                <a:schemeClr val="accent1"/>
+              </a:effectRef>
+              <a:fontRef idx="minor">
+                <a:schemeClr val="tx1"/>
+              </a:fontRef>
+            </p:style>
+          </p:cxnSp>
+          <p:cxnSp>
+            <p:nvCxnSpPr>
+              <p:cNvPr id="43" name="직선 화살표 연결선 42"/>
+              <p:cNvCxnSpPr/>
+              <p:nvPr/>
+            </p:nvCxnSpPr>
+            <p:spPr>
+              <a:xfrm>
+                <a:off x="7626000" y="864000"/>
+                <a:ext cx="1980000" cy="2025000"/>
+              </a:xfrm>
+              <a:prstGeom prst="straightConnector1">
+                <a:avLst/>
+              </a:prstGeom>
+              <a:ln w="15875">
+                <a:solidFill>
+                  <a:schemeClr val="tx1"/>
+                </a:solidFill>
+                <a:tailEnd type="triangle"/>
+              </a:ln>
+            </p:spPr>
+            <p:style>
+              <a:lnRef idx="1">
+                <a:schemeClr val="accent1"/>
+              </a:lnRef>
+              <a:fillRef idx="0">
+                <a:schemeClr val="accent1"/>
+              </a:fillRef>
+              <a:effectRef idx="0">
+                <a:schemeClr val="accent1"/>
+              </a:effectRef>
+              <a:fontRef idx="minor">
+                <a:schemeClr val="tx1"/>
+              </a:fontRef>
+            </p:style>
+          </p:cxnSp>
+        </p:grpSp>
+        <p:sp>
+          <p:nvSpPr>
+            <p:cNvPr id="45" name="직사각형 44"/>
+            <p:cNvSpPr/>
+            <p:nvPr/>
+          </p:nvSpPr>
+          <p:spPr>
+            <a:xfrm>
+              <a:off x="2790320" y="1216239"/>
+              <a:ext cx="1042151" cy="3375000"/>
+            </a:xfrm>
+            <a:prstGeom prst="rect">
+              <a:avLst/>
+            </a:prstGeom>
+            <a:noFill/>
+            <a:ln>
+              <a:prstDash val="dash"/>
+            </a:ln>
+          </p:spPr>
+          <p:style>
+            <a:lnRef idx="2">
+              <a:schemeClr val="accent1">
+                <a:shade val="50000"/>
+              </a:schemeClr>
+            </a:lnRef>
+            <a:fillRef idx="1">
+              <a:schemeClr val="accent1"/>
+            </a:fillRef>
+            <a:effectRef idx="0">
+              <a:schemeClr val="accent1"/>
+            </a:effectRef>
+            <a:fontRef idx="minor">
+              <a:schemeClr val="lt1"/>
+            </a:fontRef>
+          </p:style>
+          <p:txBody>
+            <a:bodyPr rtlCol="0" anchor="ctr"/>
+            <a:lstStyle/>
+            <a:p>
+              <a:pPr algn="ctr"/>
+              <a:endParaRPr lang="ko-KR" altLang="en-US"/>
+            </a:p>
+          </p:txBody>
+        </p:sp>
+        <p:grpSp>
+          <p:nvGrpSpPr>
+            <p:cNvPr id="52" name="그룹 51"/>
+            <p:cNvGrpSpPr/>
+            <p:nvPr/>
+          </p:nvGrpSpPr>
+          <p:grpSpPr>
+            <a:xfrm>
+              <a:off x="3311395" y="593999"/>
+              <a:ext cx="5799605" cy="1395001"/>
+              <a:chOff x="3311395" y="593999"/>
+              <a:chExt cx="5799605" cy="1395001"/>
+            </a:xfrm>
+          </p:grpSpPr>
+          <p:cxnSp>
+            <p:nvCxnSpPr>
+              <p:cNvPr id="47" name="직선 연결선 46"/>
+              <p:cNvCxnSpPr>
+                <a:stCxn id="45" idx="0"/>
+              </p:cNvCxnSpPr>
+              <p:nvPr/>
+            </p:nvCxnSpPr>
+            <p:spPr>
+              <a:xfrm flipH="1" flipV="1">
+                <a:off x="3311395" y="594000"/>
+                <a:ext cx="1" cy="622239"/>
+              </a:xfrm>
+              <a:prstGeom prst="line">
+                <a:avLst/>
+              </a:prstGeom>
+              <a:ln w="19050">
+                <a:solidFill>
+                  <a:schemeClr val="tx1"/>
+                </a:solidFill>
+              </a:ln>
+            </p:spPr>
+            <p:style>
+              <a:lnRef idx="1">
+                <a:schemeClr val="accent1"/>
+              </a:lnRef>
+              <a:fillRef idx="0">
+                <a:schemeClr val="accent1"/>
+              </a:fillRef>
+              <a:effectRef idx="0">
+                <a:schemeClr val="accent1"/>
+              </a:effectRef>
+              <a:fontRef idx="minor">
+                <a:schemeClr val="tx1"/>
+              </a:fontRef>
+            </p:style>
+          </p:cxnSp>
+          <p:cxnSp>
+            <p:nvCxnSpPr>
+              <p:cNvPr id="49" name="직선 연결선 48"/>
+              <p:cNvCxnSpPr/>
+              <p:nvPr/>
+            </p:nvCxnSpPr>
+            <p:spPr>
+              <a:xfrm>
+                <a:off x="3311395" y="594000"/>
+                <a:ext cx="4854605" cy="0"/>
+              </a:xfrm>
+              <a:prstGeom prst="line">
+                <a:avLst/>
+              </a:prstGeom>
+              <a:ln w="19050">
+                <a:solidFill>
+                  <a:schemeClr val="tx1"/>
+                </a:solidFill>
+              </a:ln>
+            </p:spPr>
+            <p:style>
+              <a:lnRef idx="1">
+                <a:schemeClr val="accent1"/>
+              </a:lnRef>
+              <a:fillRef idx="0">
+                <a:schemeClr val="accent1"/>
+              </a:fillRef>
+              <a:effectRef idx="0">
+                <a:schemeClr val="accent1"/>
+              </a:effectRef>
+              <a:fontRef idx="minor">
+                <a:schemeClr val="tx1"/>
+              </a:fontRef>
+            </p:style>
+          </p:cxnSp>
+          <p:cxnSp>
+            <p:nvCxnSpPr>
+              <p:cNvPr id="51" name="직선 화살표 연결선 50"/>
+              <p:cNvCxnSpPr/>
+              <p:nvPr/>
+            </p:nvCxnSpPr>
+            <p:spPr>
+              <a:xfrm>
+                <a:off x="8175145" y="593999"/>
+                <a:ext cx="935855" cy="1395001"/>
+              </a:xfrm>
+              <a:prstGeom prst="straightConnector1">
+                <a:avLst/>
+              </a:prstGeom>
+              <a:ln w="19050">
+                <a:solidFill>
+                  <a:schemeClr val="tx1"/>
+                </a:solidFill>
+                <a:tailEnd type="triangle"/>
+              </a:ln>
+            </p:spPr>
+            <p:style>
+              <a:lnRef idx="1">
+                <a:schemeClr val="accent1"/>
+              </a:lnRef>
+              <a:fillRef idx="0">
+                <a:schemeClr val="accent1"/>
+              </a:fillRef>
+              <a:effectRef idx="0">
+                <a:schemeClr val="accent1"/>
+              </a:effectRef>
+              <a:fontRef idx="minor">
+                <a:schemeClr val="tx1"/>
+              </a:fontRef>
+            </p:style>
+          </p:cxnSp>
+        </p:grpSp>
+        <p:sp>
+          <p:nvSpPr>
+            <p:cNvPr id="55" name="직사각형 54"/>
+            <p:cNvSpPr/>
+            <p:nvPr/>
+          </p:nvSpPr>
+          <p:spPr>
+            <a:xfrm>
+              <a:off x="4506722" y="1223999"/>
+              <a:ext cx="1042151" cy="3375000"/>
+            </a:xfrm>
+            <a:prstGeom prst="rect">
+              <a:avLst/>
+            </a:prstGeom>
+            <a:noFill/>
+            <a:ln>
+              <a:prstDash val="dash"/>
+            </a:ln>
+          </p:spPr>
+          <p:style>
+            <a:lnRef idx="2">
+              <a:schemeClr val="accent1">
+                <a:shade val="50000"/>
+              </a:schemeClr>
+            </a:lnRef>
+            <a:fillRef idx="1">
+              <a:schemeClr val="accent1"/>
+            </a:fillRef>
+            <a:effectRef idx="0">
+              <a:schemeClr val="accent1"/>
+            </a:effectRef>
+            <a:fontRef idx="minor">
+              <a:schemeClr val="lt1"/>
+            </a:fontRef>
+          </p:style>
+          <p:txBody>
+            <a:bodyPr rtlCol="0" anchor="ctr"/>
+            <a:lstStyle/>
+            <a:p>
+              <a:pPr algn="ctr"/>
+              <a:endParaRPr lang="ko-KR" altLang="en-US"/>
+            </a:p>
+          </p:txBody>
+        </p:sp>
+        <p:grpSp>
+          <p:nvGrpSpPr>
+            <p:cNvPr id="65" name="그룹 64"/>
+            <p:cNvGrpSpPr/>
+            <p:nvPr/>
+          </p:nvGrpSpPr>
+          <p:grpSpPr>
+            <a:xfrm>
+              <a:off x="5027797" y="2664000"/>
+              <a:ext cx="6288203" cy="2520000"/>
+              <a:chOff x="5027797" y="2664000"/>
+              <a:chExt cx="6288203" cy="2520000"/>
+            </a:xfrm>
+          </p:grpSpPr>
+          <p:cxnSp>
+            <p:nvCxnSpPr>
+              <p:cNvPr id="57" name="직선 연결선 56"/>
+              <p:cNvCxnSpPr>
+                <a:stCxn id="55" idx="2"/>
+              </p:cNvCxnSpPr>
+              <p:nvPr/>
+            </p:nvCxnSpPr>
+            <p:spPr>
+              <a:xfrm flipH="1">
+                <a:off x="5027797" y="4598999"/>
+                <a:ext cx="1" cy="585001"/>
+              </a:xfrm>
+              <a:prstGeom prst="line">
+                <a:avLst/>
+              </a:prstGeom>
+              <a:ln w="19050">
+                <a:solidFill>
+                  <a:schemeClr val="tx1"/>
+                </a:solidFill>
+              </a:ln>
+            </p:spPr>
+            <p:style>
+              <a:lnRef idx="1">
+                <a:schemeClr val="accent1"/>
+              </a:lnRef>
+              <a:fillRef idx="0">
+                <a:schemeClr val="accent1"/>
+              </a:fillRef>
+              <a:effectRef idx="0">
+                <a:schemeClr val="accent1"/>
+              </a:effectRef>
+              <a:fontRef idx="minor">
+                <a:schemeClr val="tx1"/>
+              </a:fontRef>
+            </p:style>
+          </p:cxnSp>
+          <p:cxnSp>
+            <p:nvCxnSpPr>
+              <p:cNvPr id="59" name="직선 연결선 58"/>
+              <p:cNvCxnSpPr/>
+              <p:nvPr/>
+            </p:nvCxnSpPr>
+            <p:spPr>
+              <a:xfrm>
+                <a:off x="5027797" y="5184000"/>
+                <a:ext cx="3498203" cy="0"/>
+              </a:xfrm>
+              <a:prstGeom prst="line">
+                <a:avLst/>
+              </a:prstGeom>
+              <a:ln w="19050">
+                <a:solidFill>
+                  <a:schemeClr val="tx1"/>
+                </a:solidFill>
+              </a:ln>
+            </p:spPr>
+            <p:style>
+              <a:lnRef idx="1">
+                <a:schemeClr val="accent1"/>
+              </a:lnRef>
+              <a:fillRef idx="0">
+                <a:schemeClr val="accent1"/>
+              </a:fillRef>
+              <a:effectRef idx="0">
+                <a:schemeClr val="accent1"/>
+              </a:effectRef>
+              <a:fontRef idx="minor">
+                <a:schemeClr val="tx1"/>
+              </a:fontRef>
+            </p:style>
+          </p:cxnSp>
+          <p:cxnSp>
+            <p:nvCxnSpPr>
+              <p:cNvPr id="61" name="직선 화살표 연결선 60"/>
+              <p:cNvCxnSpPr/>
+              <p:nvPr/>
+            </p:nvCxnSpPr>
+            <p:spPr>
+              <a:xfrm flipV="1">
+                <a:off x="8526000" y="2664000"/>
+                <a:ext cx="2790000" cy="2520000"/>
+              </a:xfrm>
+              <a:prstGeom prst="straightConnector1">
+                <a:avLst/>
+              </a:prstGeom>
+              <a:ln w="19050">
+                <a:solidFill>
+                  <a:schemeClr val="tx1"/>
+                </a:solidFill>
+                <a:tailEnd type="triangle"/>
+              </a:ln>
+            </p:spPr>
+            <p:style>
+              <a:lnRef idx="1">
+                <a:schemeClr val="accent1"/>
+              </a:lnRef>
+              <a:fillRef idx="0">
+                <a:schemeClr val="accent1"/>
+              </a:fillRef>
+              <a:effectRef idx="0">
+                <a:schemeClr val="accent1"/>
+              </a:effectRef>
+              <a:fontRef idx="minor">
+                <a:schemeClr val="tx1"/>
+              </a:fontRef>
+            </p:style>
+          </p:cxnSp>
+        </p:grpSp>
+        <p:sp>
+          <p:nvSpPr>
+            <p:cNvPr id="66" name="직사각형 65"/>
+            <p:cNvSpPr/>
+            <p:nvPr/>
+          </p:nvSpPr>
+          <p:spPr>
+            <a:xfrm>
+              <a:off x="6213978" y="1216239"/>
+              <a:ext cx="1042151" cy="3375000"/>
+            </a:xfrm>
+            <a:prstGeom prst="rect">
+              <a:avLst/>
+            </a:prstGeom>
+            <a:noFill/>
+            <a:ln>
+              <a:prstDash val="dash"/>
+            </a:ln>
+          </p:spPr>
+          <p:style>
+            <a:lnRef idx="2">
+              <a:schemeClr val="accent1">
+                <a:shade val="50000"/>
+              </a:schemeClr>
+            </a:lnRef>
+            <a:fillRef idx="1">
+              <a:schemeClr val="accent1"/>
+            </a:fillRef>
+            <a:effectRef idx="0">
+              <a:schemeClr val="accent1"/>
+            </a:effectRef>
+            <a:fontRef idx="minor">
+              <a:schemeClr val="lt1"/>
+            </a:fontRef>
+          </p:style>
+          <p:txBody>
+            <a:bodyPr rtlCol="0" anchor="ctr"/>
+            <a:lstStyle/>
+            <a:p>
+              <a:pPr algn="ctr"/>
+              <a:endParaRPr lang="ko-KR" altLang="en-US"/>
+            </a:p>
+          </p:txBody>
+        </p:sp>
+        <p:grpSp>
+          <p:nvGrpSpPr>
+            <p:cNvPr id="73" name="그룹 72"/>
+            <p:cNvGrpSpPr/>
+            <p:nvPr/>
+          </p:nvGrpSpPr>
+          <p:grpSpPr>
+            <a:xfrm>
+              <a:off x="6735053" y="4216500"/>
+              <a:ext cx="4175947" cy="1282500"/>
+              <a:chOff x="6735053" y="4216500"/>
+              <a:chExt cx="4175947" cy="1282500"/>
+            </a:xfrm>
+          </p:grpSpPr>
+          <p:cxnSp>
+            <p:nvCxnSpPr>
+              <p:cNvPr id="68" name="직선 연결선 67"/>
+              <p:cNvCxnSpPr>
+                <a:stCxn id="66" idx="2"/>
+              </p:cNvCxnSpPr>
+              <p:nvPr/>
+            </p:nvCxnSpPr>
+            <p:spPr>
+              <a:xfrm flipH="1">
+                <a:off x="6735053" y="4591239"/>
+                <a:ext cx="1" cy="907761"/>
+              </a:xfrm>
+              <a:prstGeom prst="line">
+                <a:avLst/>
+              </a:prstGeom>
+              <a:ln w="19050">
+                <a:solidFill>
+                  <a:schemeClr val="tx1"/>
+                </a:solidFill>
+              </a:ln>
+            </p:spPr>
+            <p:style>
+              <a:lnRef idx="1">
+                <a:schemeClr val="accent1"/>
+              </a:lnRef>
+              <a:fillRef idx="0">
+                <a:schemeClr val="accent1"/>
+              </a:fillRef>
+              <a:effectRef idx="0">
+                <a:schemeClr val="accent1"/>
+              </a:effectRef>
+              <a:fontRef idx="minor">
+                <a:schemeClr val="tx1"/>
+              </a:fontRef>
+            </p:style>
+          </p:cxnSp>
+          <p:cxnSp>
+            <p:nvCxnSpPr>
+              <p:cNvPr id="70" name="직선 연결선 69"/>
+              <p:cNvCxnSpPr/>
+              <p:nvPr/>
+            </p:nvCxnSpPr>
+            <p:spPr>
+              <a:xfrm>
+                <a:off x="6735053" y="5499000"/>
+                <a:ext cx="3275947" cy="0"/>
+              </a:xfrm>
+              <a:prstGeom prst="line">
+                <a:avLst/>
+              </a:prstGeom>
+              <a:ln w="19050">
+                <a:solidFill>
+                  <a:schemeClr val="tx1"/>
+                </a:solidFill>
+              </a:ln>
+            </p:spPr>
+            <p:style>
+              <a:lnRef idx="1">
+                <a:schemeClr val="accent1"/>
+              </a:lnRef>
+              <a:fillRef idx="0">
+                <a:schemeClr val="accent1"/>
+              </a:fillRef>
+              <a:effectRef idx="0">
+                <a:schemeClr val="accent1"/>
+              </a:effectRef>
+              <a:fontRef idx="minor">
+                <a:schemeClr val="tx1"/>
+              </a:fontRef>
+            </p:style>
+          </p:cxnSp>
+          <p:cxnSp>
+            <p:nvCxnSpPr>
+              <p:cNvPr id="72" name="직선 화살표 연결선 71"/>
+              <p:cNvCxnSpPr/>
+              <p:nvPr/>
+            </p:nvCxnSpPr>
+            <p:spPr>
+              <a:xfrm flipV="1">
+                <a:off x="10011000" y="4216500"/>
+                <a:ext cx="900000" cy="1282500"/>
+              </a:xfrm>
+              <a:prstGeom prst="straightConnector1">
+                <a:avLst/>
+              </a:prstGeom>
+              <a:ln w="19050">
+                <a:solidFill>
+                  <a:schemeClr val="tx1"/>
+                </a:solidFill>
+                <a:tailEnd type="triangle"/>
+              </a:ln>
+            </p:spPr>
+            <p:style>
+              <a:lnRef idx="1">
+                <a:schemeClr val="accent1"/>
+              </a:lnRef>
+              <a:fillRef idx="0">
+                <a:schemeClr val="accent1"/>
+              </a:fillRef>
+              <a:effectRef idx="0">
+                <a:schemeClr val="accent1"/>
+              </a:effectRef>
+              <a:fontRef idx="minor">
+                <a:schemeClr val="tx1"/>
+              </a:fontRef>
+            </p:style>
+          </p:cxnSp>
+        </p:grpSp>
+      </p:grpSp>
+    </p:spTree>
+    <p:extLst>
+      <p:ext uri="{BB962C8B-B14F-4D97-AF65-F5344CB8AC3E}">
+        <p14:creationId xmlns:p14="http://schemas.microsoft.com/office/powerpoint/2010/main" val="2813178936"/>
+      </p:ext>
+    </p:extLst>
+  </p:cSld>
+  <p:clrMapOvr>
+    <a:masterClrMapping/>
+  </p:clrMapOvr>
+</p:sld>
+</file>
+
 <file path=ppt/theme/theme1.xml><?xml version="1.0" encoding="utf-8"?>
 <a:theme xmlns:a="http://schemas.openxmlformats.org/drawingml/2006/main" name="Office 테마">
   <a:themeElements>

--- a/plotly/RnPy/chap4/프레젠테이션1.pptx
+++ b/plotly/RnPy/chap4/프레젠테이션1.pptx
@@ -255,7 +255,7 @@
           <a:p>
             <a:fld id="{52D00532-A6D4-4250-BED2-DE376C78C0B3}" type="datetimeFigureOut">
               <a:rPr lang="ko-KR" altLang="en-US" smtClean="0"/>
-              <a:t>2022-12-11</a:t>
+              <a:t>2022-12-15</a:t>
             </a:fld>
             <a:endParaRPr lang="ko-KR" altLang="en-US"/>
           </a:p>
@@ -425,7 +425,7 @@
           <a:p>
             <a:fld id="{52D00532-A6D4-4250-BED2-DE376C78C0B3}" type="datetimeFigureOut">
               <a:rPr lang="ko-KR" altLang="en-US" smtClean="0"/>
-              <a:t>2022-12-11</a:t>
+              <a:t>2022-12-15</a:t>
             </a:fld>
             <a:endParaRPr lang="ko-KR" altLang="en-US"/>
           </a:p>
@@ -605,7 +605,7 @@
           <a:p>
             <a:fld id="{52D00532-A6D4-4250-BED2-DE376C78C0B3}" type="datetimeFigureOut">
               <a:rPr lang="ko-KR" altLang="en-US" smtClean="0"/>
-              <a:t>2022-12-11</a:t>
+              <a:t>2022-12-15</a:t>
             </a:fld>
             <a:endParaRPr lang="ko-KR" altLang="en-US"/>
           </a:p>
@@ -775,7 +775,7 @@
           <a:p>
             <a:fld id="{52D00532-A6D4-4250-BED2-DE376C78C0B3}" type="datetimeFigureOut">
               <a:rPr lang="ko-KR" altLang="en-US" smtClean="0"/>
-              <a:t>2022-12-11</a:t>
+              <a:t>2022-12-15</a:t>
             </a:fld>
             <a:endParaRPr lang="ko-KR" altLang="en-US"/>
           </a:p>
@@ -1021,7 +1021,7 @@
           <a:p>
             <a:fld id="{52D00532-A6D4-4250-BED2-DE376C78C0B3}" type="datetimeFigureOut">
               <a:rPr lang="ko-KR" altLang="en-US" smtClean="0"/>
-              <a:t>2022-12-11</a:t>
+              <a:t>2022-12-15</a:t>
             </a:fld>
             <a:endParaRPr lang="ko-KR" altLang="en-US"/>
           </a:p>
@@ -1253,7 +1253,7 @@
           <a:p>
             <a:fld id="{52D00532-A6D4-4250-BED2-DE376C78C0B3}" type="datetimeFigureOut">
               <a:rPr lang="ko-KR" altLang="en-US" smtClean="0"/>
-              <a:t>2022-12-11</a:t>
+              <a:t>2022-12-15</a:t>
             </a:fld>
             <a:endParaRPr lang="ko-KR" altLang="en-US"/>
           </a:p>
@@ -1620,7 +1620,7 @@
           <a:p>
             <a:fld id="{52D00532-A6D4-4250-BED2-DE376C78C0B3}" type="datetimeFigureOut">
               <a:rPr lang="ko-KR" altLang="en-US" smtClean="0"/>
-              <a:t>2022-12-11</a:t>
+              <a:t>2022-12-15</a:t>
             </a:fld>
             <a:endParaRPr lang="ko-KR" altLang="en-US"/>
           </a:p>
@@ -1738,7 +1738,7 @@
           <a:p>
             <a:fld id="{52D00532-A6D4-4250-BED2-DE376C78C0B3}" type="datetimeFigureOut">
               <a:rPr lang="ko-KR" altLang="en-US" smtClean="0"/>
-              <a:t>2022-12-11</a:t>
+              <a:t>2022-12-15</a:t>
             </a:fld>
             <a:endParaRPr lang="ko-KR" altLang="en-US"/>
           </a:p>
@@ -1833,7 +1833,7 @@
           <a:p>
             <a:fld id="{52D00532-A6D4-4250-BED2-DE376C78C0B3}" type="datetimeFigureOut">
               <a:rPr lang="ko-KR" altLang="en-US" smtClean="0"/>
-              <a:t>2022-12-11</a:t>
+              <a:t>2022-12-15</a:t>
             </a:fld>
             <a:endParaRPr lang="ko-KR" altLang="en-US"/>
           </a:p>
@@ -2110,7 +2110,7 @@
           <a:p>
             <a:fld id="{52D00532-A6D4-4250-BED2-DE376C78C0B3}" type="datetimeFigureOut">
               <a:rPr lang="ko-KR" altLang="en-US" smtClean="0"/>
-              <a:t>2022-12-11</a:t>
+              <a:t>2022-12-15</a:t>
             </a:fld>
             <a:endParaRPr lang="ko-KR" altLang="en-US"/>
           </a:p>
@@ -2363,7 +2363,7 @@
           <a:p>
             <a:fld id="{52D00532-A6D4-4250-BED2-DE376C78C0B3}" type="datetimeFigureOut">
               <a:rPr lang="ko-KR" altLang="en-US" smtClean="0"/>
-              <a:t>2022-12-11</a:t>
+              <a:t>2022-12-15</a:t>
             </a:fld>
             <a:endParaRPr lang="ko-KR" altLang="en-US"/>
           </a:p>
@@ -2576,7 +2576,7 @@
           <a:p>
             <a:fld id="{52D00532-A6D4-4250-BED2-DE376C78C0B3}" type="datetimeFigureOut">
               <a:rPr lang="ko-KR" altLang="en-US" smtClean="0"/>
-              <a:t>2022-12-11</a:t>
+              <a:t>2022-12-15</a:t>
             </a:fld>
             <a:endParaRPr lang="ko-KR" altLang="en-US"/>
           </a:p>
@@ -3663,1316 +3663,33 @@
       </p:grpSpPr>
       <p:grpSp>
         <p:nvGrpSpPr>
-          <p:cNvPr id="74" name="그룹 73"/>
+          <p:cNvPr id="25" name="그룹 24"/>
           <p:cNvGrpSpPr/>
           <p:nvPr/>
         </p:nvGrpSpPr>
         <p:grpSpPr>
           <a:xfrm>
-            <a:off x="291000" y="593999"/>
-            <a:ext cx="11610000" cy="4905001"/>
-            <a:chOff x="291000" y="593999"/>
-            <a:chExt cx="11610000" cy="4905001"/>
+            <a:off x="1173896" y="1359000"/>
+            <a:ext cx="5988658" cy="495000"/>
+            <a:chOff x="2811000" y="1359000"/>
+            <a:chExt cx="5988658" cy="495000"/>
           </a:xfrm>
         </p:grpSpPr>
-        <p:grpSp>
-          <p:nvGrpSpPr>
-            <p:cNvPr id="25" name="그룹 24"/>
-            <p:cNvGrpSpPr/>
-            <p:nvPr/>
-          </p:nvGrpSpPr>
-          <p:grpSpPr>
-            <a:xfrm>
-              <a:off x="1173896" y="1359000"/>
-              <a:ext cx="5988658" cy="495000"/>
-              <a:chOff x="2811000" y="1359000"/>
-              <a:chExt cx="5988658" cy="495000"/>
-            </a:xfrm>
-          </p:grpSpPr>
-          <p:sp>
-            <p:nvSpPr>
-              <p:cNvPr id="4" name="직사각형 3"/>
-              <p:cNvSpPr/>
-              <p:nvPr/>
-            </p:nvSpPr>
-            <p:spPr>
-              <a:xfrm>
-                <a:off x="2811000" y="1359000"/>
-                <a:ext cx="855000" cy="495000"/>
-              </a:xfrm>
-              <a:prstGeom prst="rect">
-                <a:avLst/>
-              </a:prstGeom>
-              <a:noFill/>
-            </p:spPr>
-            <p:style>
-              <a:lnRef idx="2">
-                <a:schemeClr val="accent1">
-                  <a:shade val="50000"/>
-                </a:schemeClr>
-              </a:lnRef>
-              <a:fillRef idx="1">
-                <a:schemeClr val="accent1"/>
-              </a:fillRef>
-              <a:effectRef idx="0">
-                <a:schemeClr val="accent1"/>
-              </a:effectRef>
-              <a:fontRef idx="minor">
-                <a:schemeClr val="lt1"/>
-              </a:fontRef>
-            </p:style>
-            <p:txBody>
-              <a:bodyPr rtlCol="0" anchor="ctr"/>
-              <a:lstStyle/>
-              <a:p>
-                <a:pPr algn="ctr"/>
-                <a:r>
-                  <a:rPr lang="ko-KR" altLang="en-US" sz="1200" dirty="0" smtClean="0">
-                    <a:solidFill>
-                      <a:schemeClr val="tx1"/>
-                    </a:solidFill>
-                  </a:rPr>
-                  <a:t>전체</a:t>
-                </a:r>
-                <a:endParaRPr lang="ko-KR" altLang="en-US" sz="1200" dirty="0">
-                  <a:solidFill>
-                    <a:schemeClr val="tx1"/>
-                  </a:solidFill>
-                </a:endParaRPr>
-              </a:p>
-            </p:txBody>
-          </p:sp>
-          <p:sp>
-            <p:nvSpPr>
-              <p:cNvPr id="5" name="직사각형 4"/>
-              <p:cNvSpPr/>
-              <p:nvPr/>
-            </p:nvSpPr>
-            <p:spPr>
-              <a:xfrm>
-                <a:off x="3664171" y="1359000"/>
-                <a:ext cx="855000" cy="495000"/>
-              </a:xfrm>
-              <a:prstGeom prst="rect">
-                <a:avLst/>
-              </a:prstGeom>
-              <a:noFill/>
-            </p:spPr>
-            <p:style>
-              <a:lnRef idx="2">
-                <a:schemeClr val="accent1">
-                  <a:shade val="50000"/>
-                </a:schemeClr>
-              </a:lnRef>
-              <a:fillRef idx="1">
-                <a:schemeClr val="accent1"/>
-              </a:fillRef>
-              <a:effectRef idx="0">
-                <a:schemeClr val="accent1"/>
-              </a:effectRef>
-              <a:fontRef idx="minor">
-                <a:schemeClr val="lt1"/>
-              </a:fontRef>
-            </p:style>
-            <p:txBody>
-              <a:bodyPr rtlCol="0" anchor="ctr"/>
-              <a:lstStyle/>
-              <a:p>
-                <a:pPr algn="ctr"/>
-                <a:r>
-                  <a:rPr lang="ko-KR" altLang="en-US" sz="1200" dirty="0" smtClean="0">
-                    <a:solidFill>
-                      <a:schemeClr val="tx1"/>
-                    </a:solidFill>
-                  </a:rPr>
-                  <a:t>공학계열</a:t>
-                </a:r>
-                <a:endParaRPr lang="ko-KR" altLang="en-US" sz="1200" dirty="0">
-                  <a:solidFill>
-                    <a:schemeClr val="tx1"/>
-                  </a:solidFill>
-                </a:endParaRPr>
-              </a:p>
-            </p:txBody>
-          </p:sp>
-          <p:sp>
-            <p:nvSpPr>
-              <p:cNvPr id="6" name="직사각형 5"/>
-              <p:cNvSpPr/>
-              <p:nvPr/>
-            </p:nvSpPr>
-            <p:spPr>
-              <a:xfrm>
-                <a:off x="4521000" y="1359000"/>
-                <a:ext cx="855000" cy="495000"/>
-              </a:xfrm>
-              <a:prstGeom prst="rect">
-                <a:avLst/>
-              </a:prstGeom>
-              <a:noFill/>
-            </p:spPr>
-            <p:style>
-              <a:lnRef idx="2">
-                <a:schemeClr val="accent1">
-                  <a:shade val="50000"/>
-                </a:schemeClr>
-              </a:lnRef>
-              <a:fillRef idx="1">
-                <a:schemeClr val="accent1"/>
-              </a:fillRef>
-              <a:effectRef idx="0">
-                <a:schemeClr val="accent1"/>
-              </a:effectRef>
-              <a:fontRef idx="minor">
-                <a:schemeClr val="lt1"/>
-              </a:fontRef>
-            </p:style>
-            <p:txBody>
-              <a:bodyPr rtlCol="0" anchor="ctr"/>
-              <a:lstStyle/>
-              <a:p>
-                <a:pPr algn="ctr"/>
-                <a:r>
-                  <a:rPr lang="ko-KR" altLang="en-US" sz="1200" dirty="0" smtClean="0">
-                    <a:solidFill>
-                      <a:schemeClr val="tx1"/>
-                    </a:solidFill>
-                  </a:rPr>
-                  <a:t>사회계열</a:t>
-                </a:r>
-                <a:endParaRPr lang="ko-KR" altLang="en-US" sz="1200" dirty="0">
-                  <a:solidFill>
-                    <a:schemeClr val="tx1"/>
-                  </a:solidFill>
-                </a:endParaRPr>
-              </a:p>
-            </p:txBody>
-          </p:sp>
-          <p:sp>
-            <p:nvSpPr>
-              <p:cNvPr id="7" name="직사각형 6"/>
-              <p:cNvSpPr/>
-              <p:nvPr/>
-            </p:nvSpPr>
-            <p:spPr>
-              <a:xfrm>
-                <a:off x="5374171" y="1359000"/>
-                <a:ext cx="855000" cy="495000"/>
-              </a:xfrm>
-              <a:prstGeom prst="rect">
-                <a:avLst/>
-              </a:prstGeom>
-              <a:noFill/>
-            </p:spPr>
-            <p:style>
-              <a:lnRef idx="2">
-                <a:schemeClr val="accent1">
-                  <a:shade val="50000"/>
-                </a:schemeClr>
-              </a:lnRef>
-              <a:fillRef idx="1">
-                <a:schemeClr val="accent1"/>
-              </a:fillRef>
-              <a:effectRef idx="0">
-                <a:schemeClr val="accent1"/>
-              </a:effectRef>
-              <a:fontRef idx="minor">
-                <a:schemeClr val="lt1"/>
-              </a:fontRef>
-            </p:style>
-            <p:txBody>
-              <a:bodyPr rtlCol="0" anchor="ctr"/>
-              <a:lstStyle/>
-              <a:p>
-                <a:pPr algn="ctr"/>
-                <a:r>
-                  <a:rPr lang="en-US" altLang="ko-KR" sz="1200" dirty="0" smtClean="0">
-                    <a:solidFill>
-                      <a:schemeClr val="tx1"/>
-                    </a:solidFill>
-                  </a:rPr>
-                  <a:t>…</a:t>
-                </a:r>
-                <a:endParaRPr lang="ko-KR" altLang="en-US" sz="1200" dirty="0">
-                  <a:solidFill>
-                    <a:schemeClr val="tx1"/>
-                  </a:solidFill>
-                </a:endParaRPr>
-              </a:p>
-            </p:txBody>
-          </p:sp>
-          <p:sp>
-            <p:nvSpPr>
-              <p:cNvPr id="8" name="직사각형 7"/>
-              <p:cNvSpPr/>
-              <p:nvPr/>
-            </p:nvSpPr>
-            <p:spPr>
-              <a:xfrm>
-                <a:off x="6238316" y="1359000"/>
-                <a:ext cx="855000" cy="495000"/>
-              </a:xfrm>
-              <a:prstGeom prst="rect">
-                <a:avLst/>
-              </a:prstGeom>
-              <a:noFill/>
-            </p:spPr>
-            <p:style>
-              <a:lnRef idx="2">
-                <a:schemeClr val="accent1">
-                  <a:shade val="50000"/>
-                </a:schemeClr>
-              </a:lnRef>
-              <a:fillRef idx="1">
-                <a:schemeClr val="accent1"/>
-              </a:fillRef>
-              <a:effectRef idx="0">
-                <a:schemeClr val="accent1"/>
-              </a:effectRef>
-              <a:fontRef idx="minor">
-                <a:schemeClr val="lt1"/>
-              </a:fontRef>
-            </p:style>
-            <p:txBody>
-              <a:bodyPr rtlCol="0" anchor="ctr"/>
-              <a:lstStyle/>
-              <a:p>
-                <a:pPr algn="ctr"/>
-                <a:r>
-                  <a:rPr lang="ko-KR" altLang="en-US" sz="1200" spc="-300" dirty="0">
-                    <a:solidFill>
-                      <a:schemeClr val="tx1"/>
-                    </a:solidFill>
-                  </a:rPr>
-                  <a:t>컴퓨터</a:t>
-                </a:r>
-                <a:r>
-                  <a:rPr lang="en-US" altLang="ko-KR" sz="1200" spc="-300" dirty="0">
-                    <a:solidFill>
-                      <a:schemeClr val="tx1"/>
-                    </a:solidFill>
-                  </a:rPr>
-                  <a:t>·</a:t>
-                </a:r>
-                <a:r>
-                  <a:rPr lang="ko-KR" altLang="en-US" sz="1200" spc="-300" dirty="0" smtClean="0">
-                    <a:solidFill>
-                      <a:schemeClr val="tx1"/>
-                    </a:solidFill>
-                  </a:rPr>
-                  <a:t>통신</a:t>
-                </a:r>
-                <a:endParaRPr lang="ko-KR" altLang="en-US" sz="1200" spc="-300" dirty="0">
-                  <a:solidFill>
-                    <a:schemeClr val="tx1"/>
-                  </a:solidFill>
-                </a:endParaRPr>
-              </a:p>
-            </p:txBody>
-          </p:sp>
-          <p:sp>
-            <p:nvSpPr>
-              <p:cNvPr id="9" name="직사각형 8"/>
-              <p:cNvSpPr/>
-              <p:nvPr/>
-            </p:nvSpPr>
-            <p:spPr>
-              <a:xfrm>
-                <a:off x="7091487" y="1359000"/>
-                <a:ext cx="855000" cy="495000"/>
-              </a:xfrm>
-              <a:prstGeom prst="rect">
-                <a:avLst/>
-              </a:prstGeom>
-              <a:noFill/>
-            </p:spPr>
-            <p:style>
-              <a:lnRef idx="2">
-                <a:schemeClr val="accent1">
-                  <a:shade val="50000"/>
-                </a:schemeClr>
-              </a:lnRef>
-              <a:fillRef idx="1">
-                <a:schemeClr val="accent1"/>
-              </a:fillRef>
-              <a:effectRef idx="0">
-                <a:schemeClr val="accent1"/>
-              </a:effectRef>
-              <a:fontRef idx="minor">
-                <a:schemeClr val="lt1"/>
-              </a:fontRef>
-            </p:style>
-            <p:txBody>
-              <a:bodyPr rtlCol="0" anchor="ctr"/>
-              <a:lstStyle/>
-              <a:p>
-                <a:pPr algn="ctr"/>
-                <a:r>
-                  <a:rPr lang="en-US" altLang="ko-KR" sz="1200" dirty="0" smtClean="0">
-                    <a:solidFill>
-                      <a:schemeClr val="tx1"/>
-                    </a:solidFill>
-                  </a:rPr>
-                  <a:t>…</a:t>
-                </a:r>
-                <a:endParaRPr lang="ko-KR" altLang="en-US" sz="1200" dirty="0">
-                  <a:solidFill>
-                    <a:schemeClr val="tx1"/>
-                  </a:solidFill>
-                </a:endParaRPr>
-              </a:p>
-            </p:txBody>
-          </p:sp>
-          <p:sp>
-            <p:nvSpPr>
-              <p:cNvPr id="10" name="직사각형 9"/>
-              <p:cNvSpPr/>
-              <p:nvPr/>
-            </p:nvSpPr>
-            <p:spPr>
-              <a:xfrm>
-                <a:off x="7944658" y="1359000"/>
-                <a:ext cx="855000" cy="495000"/>
-              </a:xfrm>
-              <a:prstGeom prst="rect">
-                <a:avLst/>
-              </a:prstGeom>
-              <a:noFill/>
-            </p:spPr>
-            <p:style>
-              <a:lnRef idx="2">
-                <a:schemeClr val="accent1">
-                  <a:shade val="50000"/>
-                </a:schemeClr>
-              </a:lnRef>
-              <a:fillRef idx="1">
-                <a:schemeClr val="accent1"/>
-              </a:fillRef>
-              <a:effectRef idx="0">
-                <a:schemeClr val="accent1"/>
-              </a:effectRef>
-              <a:fontRef idx="minor">
-                <a:schemeClr val="lt1"/>
-              </a:fontRef>
-            </p:style>
-            <p:txBody>
-              <a:bodyPr rtlCol="0" anchor="ctr"/>
-              <a:lstStyle/>
-              <a:p>
-                <a:pPr algn="ctr"/>
-                <a:r>
-                  <a:rPr lang="ko-KR" altLang="en-US" sz="1200" spc="-150" smtClean="0">
-                    <a:solidFill>
-                      <a:schemeClr val="tx1"/>
-                    </a:solidFill>
-                  </a:rPr>
-                  <a:t>인문과학</a:t>
-                </a:r>
-                <a:endParaRPr lang="ko-KR" altLang="en-US" sz="1200" spc="-150" dirty="0">
-                  <a:solidFill>
-                    <a:schemeClr val="tx1"/>
-                  </a:solidFill>
-                </a:endParaRPr>
-              </a:p>
-            </p:txBody>
-          </p:sp>
-        </p:grpSp>
-        <p:grpSp>
-          <p:nvGrpSpPr>
-            <p:cNvPr id="26" name="그룹 25"/>
-            <p:cNvGrpSpPr/>
-            <p:nvPr/>
-          </p:nvGrpSpPr>
-          <p:grpSpPr>
-            <a:xfrm>
-              <a:off x="1173896" y="2664000"/>
-              <a:ext cx="5988658" cy="495000"/>
-              <a:chOff x="2811000" y="2664000"/>
-              <a:chExt cx="5988658" cy="495000"/>
-            </a:xfrm>
-          </p:grpSpPr>
-          <p:sp>
-            <p:nvSpPr>
-              <p:cNvPr id="11" name="직사각형 10"/>
-              <p:cNvSpPr/>
-              <p:nvPr/>
-            </p:nvSpPr>
-            <p:spPr>
-              <a:xfrm>
-                <a:off x="2811000" y="2664000"/>
-                <a:ext cx="855000" cy="495000"/>
-              </a:xfrm>
-              <a:prstGeom prst="rect">
-                <a:avLst/>
-              </a:prstGeom>
-              <a:noFill/>
-            </p:spPr>
-            <p:style>
-              <a:lnRef idx="2">
-                <a:schemeClr val="accent1">
-                  <a:shade val="50000"/>
-                </a:schemeClr>
-              </a:lnRef>
-              <a:fillRef idx="1">
-                <a:schemeClr val="accent1"/>
-              </a:fillRef>
-              <a:effectRef idx="0">
-                <a:schemeClr val="accent1"/>
-              </a:effectRef>
-              <a:fontRef idx="minor">
-                <a:schemeClr val="lt1"/>
-              </a:fontRef>
-            </p:style>
-            <p:txBody>
-              <a:bodyPr rtlCol="0" anchor="ctr"/>
-              <a:lstStyle/>
-              <a:p>
-                <a:pPr algn="ctr"/>
-                <a:r>
-                  <a:rPr lang="en-US" altLang="ko-KR" sz="1200" dirty="0" smtClean="0">
-                    <a:solidFill>
-                      <a:schemeClr val="tx1"/>
-                    </a:solidFill>
-                  </a:rPr>
-                  <a:t>‘’</a:t>
-                </a:r>
-                <a:endParaRPr lang="ko-KR" altLang="en-US" sz="1200" dirty="0">
-                  <a:solidFill>
-                    <a:schemeClr val="tx1"/>
-                  </a:solidFill>
-                </a:endParaRPr>
-              </a:p>
-            </p:txBody>
-          </p:sp>
-          <p:sp>
-            <p:nvSpPr>
-              <p:cNvPr id="12" name="직사각형 11"/>
-              <p:cNvSpPr/>
-              <p:nvPr/>
-            </p:nvSpPr>
-            <p:spPr>
-              <a:xfrm>
-                <a:off x="3664171" y="2664000"/>
-                <a:ext cx="855000" cy="495000"/>
-              </a:xfrm>
-              <a:prstGeom prst="rect">
-                <a:avLst/>
-              </a:prstGeom>
-              <a:noFill/>
-            </p:spPr>
-            <p:style>
-              <a:lnRef idx="2">
-                <a:schemeClr val="accent1">
-                  <a:shade val="50000"/>
-                </a:schemeClr>
-              </a:lnRef>
-              <a:fillRef idx="1">
-                <a:schemeClr val="accent1"/>
-              </a:fillRef>
-              <a:effectRef idx="0">
-                <a:schemeClr val="accent1"/>
-              </a:effectRef>
-              <a:fontRef idx="minor">
-                <a:schemeClr val="lt1"/>
-              </a:fontRef>
-            </p:style>
-            <p:txBody>
-              <a:bodyPr rtlCol="0" anchor="ctr"/>
-              <a:lstStyle/>
-              <a:p>
-                <a:pPr algn="ctr"/>
-                <a:r>
-                  <a:rPr lang="ko-KR" altLang="en-US" sz="1200" dirty="0" smtClean="0">
-                    <a:solidFill>
-                      <a:schemeClr val="tx1"/>
-                    </a:solidFill>
-                  </a:rPr>
-                  <a:t>전체</a:t>
-                </a:r>
-                <a:endParaRPr lang="ko-KR" altLang="en-US" sz="1200" dirty="0">
-                  <a:solidFill>
-                    <a:schemeClr val="tx1"/>
-                  </a:solidFill>
-                </a:endParaRPr>
-              </a:p>
-            </p:txBody>
-          </p:sp>
-          <p:sp>
-            <p:nvSpPr>
-              <p:cNvPr id="13" name="직사각형 12"/>
-              <p:cNvSpPr/>
-              <p:nvPr/>
-            </p:nvSpPr>
-            <p:spPr>
-              <a:xfrm>
-                <a:off x="4521000" y="2664000"/>
-                <a:ext cx="855000" cy="495000"/>
-              </a:xfrm>
-              <a:prstGeom prst="rect">
-                <a:avLst/>
-              </a:prstGeom>
-              <a:noFill/>
-            </p:spPr>
-            <p:style>
-              <a:lnRef idx="2">
-                <a:schemeClr val="accent1">
-                  <a:shade val="50000"/>
-                </a:schemeClr>
-              </a:lnRef>
-              <a:fillRef idx="1">
-                <a:schemeClr val="accent1"/>
-              </a:fillRef>
-              <a:effectRef idx="0">
-                <a:schemeClr val="accent1"/>
-              </a:effectRef>
-              <a:fontRef idx="minor">
-                <a:schemeClr val="lt1"/>
-              </a:fontRef>
-            </p:style>
-            <p:txBody>
-              <a:bodyPr rtlCol="0" anchor="ctr"/>
-              <a:lstStyle/>
-              <a:p>
-                <a:pPr algn="ctr"/>
-                <a:r>
-                  <a:rPr lang="ko-KR" altLang="en-US" sz="1200" dirty="0" smtClean="0">
-                    <a:solidFill>
-                      <a:schemeClr val="tx1"/>
-                    </a:solidFill>
-                  </a:rPr>
-                  <a:t>전체</a:t>
-                </a:r>
-                <a:endParaRPr lang="ko-KR" altLang="en-US" sz="1200" dirty="0">
-                  <a:solidFill>
-                    <a:schemeClr val="tx1"/>
-                  </a:solidFill>
-                </a:endParaRPr>
-              </a:p>
-            </p:txBody>
-          </p:sp>
-          <p:sp>
-            <p:nvSpPr>
-              <p:cNvPr id="14" name="직사각형 13"/>
-              <p:cNvSpPr/>
-              <p:nvPr/>
-            </p:nvSpPr>
-            <p:spPr>
-              <a:xfrm>
-                <a:off x="5374171" y="2664000"/>
-                <a:ext cx="855000" cy="495000"/>
-              </a:xfrm>
-              <a:prstGeom prst="rect">
-                <a:avLst/>
-              </a:prstGeom>
-              <a:noFill/>
-            </p:spPr>
-            <p:style>
-              <a:lnRef idx="2">
-                <a:schemeClr val="accent1">
-                  <a:shade val="50000"/>
-                </a:schemeClr>
-              </a:lnRef>
-              <a:fillRef idx="1">
-                <a:schemeClr val="accent1"/>
-              </a:fillRef>
-              <a:effectRef idx="0">
-                <a:schemeClr val="accent1"/>
-              </a:effectRef>
-              <a:fontRef idx="minor">
-                <a:schemeClr val="lt1"/>
-              </a:fontRef>
-            </p:style>
-            <p:txBody>
-              <a:bodyPr rtlCol="0" anchor="ctr"/>
-              <a:lstStyle/>
-              <a:p>
-                <a:pPr algn="ctr"/>
-                <a:r>
-                  <a:rPr lang="en-US" altLang="ko-KR" sz="1200" dirty="0" smtClean="0">
-                    <a:solidFill>
-                      <a:schemeClr val="tx1"/>
-                    </a:solidFill>
-                  </a:rPr>
-                  <a:t>…</a:t>
-                </a:r>
-                <a:endParaRPr lang="ko-KR" altLang="en-US" sz="1200" dirty="0">
-                  <a:solidFill>
-                    <a:schemeClr val="tx1"/>
-                  </a:solidFill>
-                </a:endParaRPr>
-              </a:p>
-            </p:txBody>
-          </p:sp>
-          <p:sp>
-            <p:nvSpPr>
-              <p:cNvPr id="15" name="직사각형 14"/>
-              <p:cNvSpPr/>
-              <p:nvPr/>
-            </p:nvSpPr>
-            <p:spPr>
-              <a:xfrm>
-                <a:off x="6238316" y="2664000"/>
-                <a:ext cx="855000" cy="495000"/>
-              </a:xfrm>
-              <a:prstGeom prst="rect">
-                <a:avLst/>
-              </a:prstGeom>
-              <a:noFill/>
-            </p:spPr>
-            <p:style>
-              <a:lnRef idx="2">
-                <a:schemeClr val="accent1">
-                  <a:shade val="50000"/>
-                </a:schemeClr>
-              </a:lnRef>
-              <a:fillRef idx="1">
-                <a:schemeClr val="accent1"/>
-              </a:fillRef>
-              <a:effectRef idx="0">
-                <a:schemeClr val="accent1"/>
-              </a:effectRef>
-              <a:fontRef idx="minor">
-                <a:schemeClr val="lt1"/>
-              </a:fontRef>
-            </p:style>
-            <p:txBody>
-              <a:bodyPr rtlCol="0" anchor="ctr"/>
-              <a:lstStyle/>
-              <a:p>
-                <a:pPr algn="ctr"/>
-                <a:r>
-                  <a:rPr lang="ko-KR" altLang="en-US" sz="1200" dirty="0" smtClean="0">
-                    <a:solidFill>
-                      <a:schemeClr val="tx1"/>
-                    </a:solidFill>
-                  </a:rPr>
-                  <a:t>공학계열</a:t>
-                </a:r>
-                <a:endParaRPr lang="ko-KR" altLang="en-US" sz="1200" dirty="0">
-                  <a:solidFill>
-                    <a:schemeClr val="tx1"/>
-                  </a:solidFill>
-                </a:endParaRPr>
-              </a:p>
-            </p:txBody>
-          </p:sp>
-          <p:sp>
-            <p:nvSpPr>
-              <p:cNvPr id="16" name="직사각형 15"/>
-              <p:cNvSpPr/>
-              <p:nvPr/>
-            </p:nvSpPr>
-            <p:spPr>
-              <a:xfrm>
-                <a:off x="7091487" y="2664000"/>
-                <a:ext cx="855000" cy="495000"/>
-              </a:xfrm>
-              <a:prstGeom prst="rect">
-                <a:avLst/>
-              </a:prstGeom>
-              <a:noFill/>
-            </p:spPr>
-            <p:style>
-              <a:lnRef idx="2">
-                <a:schemeClr val="accent1">
-                  <a:shade val="50000"/>
-                </a:schemeClr>
-              </a:lnRef>
-              <a:fillRef idx="1">
-                <a:schemeClr val="accent1"/>
-              </a:fillRef>
-              <a:effectRef idx="0">
-                <a:schemeClr val="accent1"/>
-              </a:effectRef>
-              <a:fontRef idx="minor">
-                <a:schemeClr val="lt1"/>
-              </a:fontRef>
-            </p:style>
-            <p:txBody>
-              <a:bodyPr rtlCol="0" anchor="ctr"/>
-              <a:lstStyle/>
-              <a:p>
-                <a:pPr algn="ctr"/>
-                <a:r>
-                  <a:rPr lang="en-US" altLang="ko-KR" sz="1200" dirty="0" smtClean="0">
-                    <a:solidFill>
-                      <a:schemeClr val="tx1"/>
-                    </a:solidFill>
-                  </a:rPr>
-                  <a:t>…</a:t>
-                </a:r>
-                <a:endParaRPr lang="ko-KR" altLang="en-US" sz="1200" dirty="0">
-                  <a:solidFill>
-                    <a:schemeClr val="tx1"/>
-                  </a:solidFill>
-                </a:endParaRPr>
-              </a:p>
-            </p:txBody>
-          </p:sp>
-          <p:sp>
-            <p:nvSpPr>
-              <p:cNvPr id="17" name="직사각형 16"/>
-              <p:cNvSpPr/>
-              <p:nvPr/>
-            </p:nvSpPr>
-            <p:spPr>
-              <a:xfrm>
-                <a:off x="7944658" y="2664000"/>
-                <a:ext cx="855000" cy="495000"/>
-              </a:xfrm>
-              <a:prstGeom prst="rect">
-                <a:avLst/>
-              </a:prstGeom>
-              <a:noFill/>
-            </p:spPr>
-            <p:style>
-              <a:lnRef idx="2">
-                <a:schemeClr val="accent1">
-                  <a:shade val="50000"/>
-                </a:schemeClr>
-              </a:lnRef>
-              <a:fillRef idx="1">
-                <a:schemeClr val="accent1"/>
-              </a:fillRef>
-              <a:effectRef idx="0">
-                <a:schemeClr val="accent1"/>
-              </a:effectRef>
-              <a:fontRef idx="minor">
-                <a:schemeClr val="lt1"/>
-              </a:fontRef>
-            </p:style>
-            <p:txBody>
-              <a:bodyPr rtlCol="0" anchor="ctr"/>
-              <a:lstStyle/>
-              <a:p>
-                <a:pPr algn="ctr"/>
-                <a:r>
-                  <a:rPr lang="ko-KR" altLang="en-US" sz="1200" dirty="0" smtClean="0">
-                    <a:solidFill>
-                      <a:schemeClr val="tx1"/>
-                    </a:solidFill>
-                  </a:rPr>
-                  <a:t>인문계열</a:t>
-                </a:r>
-                <a:endParaRPr lang="ko-KR" altLang="en-US" sz="1200" dirty="0">
-                  <a:solidFill>
-                    <a:schemeClr val="tx1"/>
-                  </a:solidFill>
-                </a:endParaRPr>
-              </a:p>
-            </p:txBody>
-          </p:sp>
-        </p:grpSp>
-        <p:grpSp>
-          <p:nvGrpSpPr>
-            <p:cNvPr id="27" name="그룹 26"/>
-            <p:cNvGrpSpPr/>
-            <p:nvPr/>
-          </p:nvGrpSpPr>
-          <p:grpSpPr>
-            <a:xfrm>
-              <a:off x="1173896" y="3969194"/>
-              <a:ext cx="5988658" cy="495000"/>
-              <a:chOff x="2811000" y="3969194"/>
-              <a:chExt cx="5988658" cy="495000"/>
-            </a:xfrm>
-          </p:grpSpPr>
-          <p:sp>
-            <p:nvSpPr>
-              <p:cNvPr id="18" name="직사각형 17"/>
-              <p:cNvSpPr/>
-              <p:nvPr/>
-            </p:nvSpPr>
-            <p:spPr>
-              <a:xfrm>
-                <a:off x="2811000" y="3969194"/>
-                <a:ext cx="855000" cy="495000"/>
-              </a:xfrm>
-              <a:prstGeom prst="rect">
-                <a:avLst/>
-              </a:prstGeom>
-              <a:noFill/>
-            </p:spPr>
-            <p:style>
-              <a:lnRef idx="2">
-                <a:schemeClr val="accent1">
-                  <a:shade val="50000"/>
-                </a:schemeClr>
-              </a:lnRef>
-              <a:fillRef idx="1">
-                <a:schemeClr val="accent1"/>
-              </a:fillRef>
-              <a:effectRef idx="0">
-                <a:schemeClr val="accent1"/>
-              </a:effectRef>
-              <a:fontRef idx="minor">
-                <a:schemeClr val="lt1"/>
-              </a:fontRef>
-            </p:style>
-            <p:txBody>
-              <a:bodyPr rtlCol="0" anchor="ctr"/>
-              <a:lstStyle/>
-              <a:p>
-                <a:pPr algn="ctr"/>
-                <a:r>
-                  <a:rPr lang="en-US" altLang="ko-KR" sz="1200" dirty="0" smtClean="0">
-                    <a:solidFill>
-                      <a:schemeClr val="tx1"/>
-                    </a:solidFill>
-                  </a:rPr>
-                  <a:t>85398</a:t>
-                </a:r>
-                <a:endParaRPr lang="ko-KR" altLang="en-US" sz="1200" dirty="0">
-                  <a:solidFill>
-                    <a:schemeClr val="tx1"/>
-                  </a:solidFill>
-                </a:endParaRPr>
-              </a:p>
-            </p:txBody>
-          </p:sp>
-          <p:sp>
-            <p:nvSpPr>
-              <p:cNvPr id="19" name="직사각형 18"/>
-              <p:cNvSpPr/>
-              <p:nvPr/>
-            </p:nvSpPr>
-            <p:spPr>
-              <a:xfrm>
-                <a:off x="3664171" y="3969194"/>
-                <a:ext cx="855000" cy="495000"/>
-              </a:xfrm>
-              <a:prstGeom prst="rect">
-                <a:avLst/>
-              </a:prstGeom>
-              <a:noFill/>
-            </p:spPr>
-            <p:style>
-              <a:lnRef idx="2">
-                <a:schemeClr val="accent1">
-                  <a:shade val="50000"/>
-                </a:schemeClr>
-              </a:lnRef>
-              <a:fillRef idx="1">
-                <a:schemeClr val="accent1"/>
-              </a:fillRef>
-              <a:effectRef idx="0">
-                <a:schemeClr val="accent1"/>
-              </a:effectRef>
-              <a:fontRef idx="minor">
-                <a:schemeClr val="lt1"/>
-              </a:fontRef>
-            </p:style>
-            <p:txBody>
-              <a:bodyPr rtlCol="0" anchor="ctr"/>
-              <a:lstStyle/>
-              <a:p>
-                <a:pPr algn="ctr"/>
-                <a:r>
-                  <a:rPr lang="en-US" altLang="ko-KR" sz="1200" dirty="0" smtClean="0">
-                    <a:solidFill>
-                      <a:schemeClr val="tx1"/>
-                    </a:solidFill>
-                  </a:rPr>
-                  <a:t>26093</a:t>
-                </a:r>
-                <a:endParaRPr lang="ko-KR" altLang="en-US" sz="1200" dirty="0">
-                  <a:solidFill>
-                    <a:schemeClr val="tx1"/>
-                  </a:solidFill>
-                </a:endParaRPr>
-              </a:p>
-            </p:txBody>
-          </p:sp>
-          <p:sp>
-            <p:nvSpPr>
-              <p:cNvPr id="20" name="직사각형 19"/>
-              <p:cNvSpPr/>
-              <p:nvPr/>
-            </p:nvSpPr>
-            <p:spPr>
-              <a:xfrm>
-                <a:off x="4521000" y="3969194"/>
-                <a:ext cx="855000" cy="495000"/>
-              </a:xfrm>
-              <a:prstGeom prst="rect">
-                <a:avLst/>
-              </a:prstGeom>
-              <a:noFill/>
-            </p:spPr>
-            <p:style>
-              <a:lnRef idx="2">
-                <a:schemeClr val="accent1">
-                  <a:shade val="50000"/>
-                </a:schemeClr>
-              </a:lnRef>
-              <a:fillRef idx="1">
-                <a:schemeClr val="accent1"/>
-              </a:fillRef>
-              <a:effectRef idx="0">
-                <a:schemeClr val="accent1"/>
-              </a:effectRef>
-              <a:fontRef idx="minor">
-                <a:schemeClr val="lt1"/>
-              </a:fontRef>
-            </p:style>
-            <p:txBody>
-              <a:bodyPr rtlCol="0" anchor="ctr"/>
-              <a:lstStyle/>
-              <a:p>
-                <a:pPr algn="ctr"/>
-                <a:r>
-                  <a:rPr lang="en-US" altLang="ko-KR" sz="1200" dirty="0" smtClean="0">
-                    <a:solidFill>
-                      <a:schemeClr val="tx1"/>
-                    </a:solidFill>
-                  </a:rPr>
-                  <a:t>17749</a:t>
-                </a:r>
-                <a:endParaRPr lang="ko-KR" altLang="en-US" sz="1200" dirty="0">
-                  <a:solidFill>
-                    <a:schemeClr val="tx1"/>
-                  </a:solidFill>
-                </a:endParaRPr>
-              </a:p>
-            </p:txBody>
-          </p:sp>
-          <p:sp>
-            <p:nvSpPr>
-              <p:cNvPr id="21" name="직사각형 20"/>
-              <p:cNvSpPr/>
-              <p:nvPr/>
-            </p:nvSpPr>
-            <p:spPr>
-              <a:xfrm>
-                <a:off x="5374171" y="3969194"/>
-                <a:ext cx="855000" cy="495000"/>
-              </a:xfrm>
-              <a:prstGeom prst="rect">
-                <a:avLst/>
-              </a:prstGeom>
-              <a:noFill/>
-            </p:spPr>
-            <p:style>
-              <a:lnRef idx="2">
-                <a:schemeClr val="accent1">
-                  <a:shade val="50000"/>
-                </a:schemeClr>
-              </a:lnRef>
-              <a:fillRef idx="1">
-                <a:schemeClr val="accent1"/>
-              </a:fillRef>
-              <a:effectRef idx="0">
-                <a:schemeClr val="accent1"/>
-              </a:effectRef>
-              <a:fontRef idx="minor">
-                <a:schemeClr val="lt1"/>
-              </a:fontRef>
-            </p:style>
-            <p:txBody>
-              <a:bodyPr rtlCol="0" anchor="ctr"/>
-              <a:lstStyle/>
-              <a:p>
-                <a:pPr algn="ctr"/>
-                <a:endParaRPr lang="ko-KR" altLang="en-US" sz="1200">
-                  <a:solidFill>
-                    <a:schemeClr val="tx1"/>
-                  </a:solidFill>
-                </a:endParaRPr>
-              </a:p>
-            </p:txBody>
-          </p:sp>
-          <p:sp>
-            <p:nvSpPr>
-              <p:cNvPr id="22" name="직사각형 21"/>
-              <p:cNvSpPr/>
-              <p:nvPr/>
-            </p:nvSpPr>
-            <p:spPr>
-              <a:xfrm>
-                <a:off x="6238316" y="3969194"/>
-                <a:ext cx="855000" cy="495000"/>
-              </a:xfrm>
-              <a:prstGeom prst="rect">
-                <a:avLst/>
-              </a:prstGeom>
-              <a:noFill/>
-            </p:spPr>
-            <p:style>
-              <a:lnRef idx="2">
-                <a:schemeClr val="accent1">
-                  <a:shade val="50000"/>
-                </a:schemeClr>
-              </a:lnRef>
-              <a:fillRef idx="1">
-                <a:schemeClr val="accent1"/>
-              </a:fillRef>
-              <a:effectRef idx="0">
-                <a:schemeClr val="accent1"/>
-              </a:effectRef>
-              <a:fontRef idx="minor">
-                <a:schemeClr val="lt1"/>
-              </a:fontRef>
-            </p:style>
-            <p:txBody>
-              <a:bodyPr rtlCol="0" anchor="ctr"/>
-              <a:lstStyle/>
-              <a:p>
-                <a:pPr algn="ctr"/>
-                <a:r>
-                  <a:rPr lang="en-US" altLang="ko-KR" sz="1200" dirty="0" smtClean="0">
-                    <a:solidFill>
-                      <a:schemeClr val="tx1"/>
-                    </a:solidFill>
-                  </a:rPr>
-                  <a:t>6261</a:t>
-                </a:r>
-                <a:endParaRPr lang="ko-KR" altLang="en-US" sz="1200" dirty="0">
-                  <a:solidFill>
-                    <a:schemeClr val="tx1"/>
-                  </a:solidFill>
-                </a:endParaRPr>
-              </a:p>
-            </p:txBody>
-          </p:sp>
-          <p:sp>
-            <p:nvSpPr>
-              <p:cNvPr id="23" name="직사각형 22"/>
-              <p:cNvSpPr/>
-              <p:nvPr/>
-            </p:nvSpPr>
-            <p:spPr>
-              <a:xfrm>
-                <a:off x="7091487" y="3969194"/>
-                <a:ext cx="855000" cy="495000"/>
-              </a:xfrm>
-              <a:prstGeom prst="rect">
-                <a:avLst/>
-              </a:prstGeom>
-              <a:noFill/>
-            </p:spPr>
-            <p:style>
-              <a:lnRef idx="2">
-                <a:schemeClr val="accent1">
-                  <a:shade val="50000"/>
-                </a:schemeClr>
-              </a:lnRef>
-              <a:fillRef idx="1">
-                <a:schemeClr val="accent1"/>
-              </a:fillRef>
-              <a:effectRef idx="0">
-                <a:schemeClr val="accent1"/>
-              </a:effectRef>
-              <a:fontRef idx="minor">
-                <a:schemeClr val="lt1"/>
-              </a:fontRef>
-            </p:style>
-            <p:txBody>
-              <a:bodyPr rtlCol="0" anchor="ctr"/>
-              <a:lstStyle/>
-              <a:p>
-                <a:pPr algn="ctr"/>
-                <a:endParaRPr lang="ko-KR" altLang="en-US" sz="1200">
-                  <a:solidFill>
-                    <a:schemeClr val="tx1"/>
-                  </a:solidFill>
-                </a:endParaRPr>
-              </a:p>
-            </p:txBody>
-          </p:sp>
-          <p:sp>
-            <p:nvSpPr>
-              <p:cNvPr id="24" name="직사각형 23"/>
-              <p:cNvSpPr/>
-              <p:nvPr/>
-            </p:nvSpPr>
-            <p:spPr>
-              <a:xfrm>
-                <a:off x="7944658" y="3969194"/>
-                <a:ext cx="855000" cy="495000"/>
-              </a:xfrm>
-              <a:prstGeom prst="rect">
-                <a:avLst/>
-              </a:prstGeom>
-              <a:noFill/>
-            </p:spPr>
-            <p:style>
-              <a:lnRef idx="2">
-                <a:schemeClr val="accent1">
-                  <a:shade val="50000"/>
-                </a:schemeClr>
-              </a:lnRef>
-              <a:fillRef idx="1">
-                <a:schemeClr val="accent1"/>
-              </a:fillRef>
-              <a:effectRef idx="0">
-                <a:schemeClr val="accent1"/>
-              </a:effectRef>
-              <a:fontRef idx="minor">
-                <a:schemeClr val="lt1"/>
-              </a:fontRef>
-            </p:style>
-            <p:txBody>
-              <a:bodyPr rtlCol="0" anchor="ctr"/>
-              <a:lstStyle/>
-              <a:p>
-                <a:pPr algn="ctr"/>
-                <a:r>
-                  <a:rPr lang="en-US" altLang="ko-KR" sz="1200" dirty="0" smtClean="0">
-                    <a:solidFill>
-                      <a:schemeClr val="tx1"/>
-                    </a:solidFill>
-                  </a:rPr>
-                  <a:t>3036</a:t>
-                </a:r>
-                <a:endParaRPr lang="ko-KR" altLang="en-US" sz="1200" dirty="0">
-                  <a:solidFill>
-                    <a:schemeClr val="tx1"/>
-                  </a:solidFill>
-                </a:endParaRPr>
-              </a:p>
-            </p:txBody>
-          </p:sp>
-        </p:grpSp>
         <p:sp>
           <p:nvSpPr>
-            <p:cNvPr id="28" name="TextBox 27"/>
-            <p:cNvSpPr txBox="1"/>
+            <p:cNvPr id="4" name="직사각형 3"/>
+            <p:cNvSpPr/>
             <p:nvPr/>
           </p:nvSpPr>
           <p:spPr>
             <a:xfrm>
-              <a:off x="379100" y="1421834"/>
-              <a:ext cx="777777" cy="369332"/>
+              <a:off x="2811000" y="1359000"/>
+              <a:ext cx="855000" cy="495000"/>
             </a:xfrm>
             <a:prstGeom prst="rect">
               <a:avLst/>
             </a:prstGeom>
             <a:noFill/>
-          </p:spPr>
-          <p:txBody>
-            <a:bodyPr wrap="none" rtlCol="0">
-              <a:spAutoFit/>
-            </a:bodyPr>
-            <a:lstStyle/>
-            <a:p>
-              <a:pPr algn="ctr"/>
-              <a:r>
-                <a:rPr lang="en-US" altLang="ko-KR" dirty="0" smtClean="0"/>
-                <a:t>labels</a:t>
-              </a:r>
-              <a:endParaRPr lang="ko-KR" altLang="en-US" dirty="0"/>
-            </a:p>
-          </p:txBody>
-        </p:sp>
-        <p:sp>
-          <p:nvSpPr>
-            <p:cNvPr id="29" name="TextBox 28"/>
-            <p:cNvSpPr txBox="1"/>
-            <p:nvPr/>
-          </p:nvSpPr>
-          <p:spPr>
-            <a:xfrm>
-              <a:off x="291000" y="2726834"/>
-              <a:ext cx="953980" cy="369332"/>
-            </a:xfrm>
-            <a:prstGeom prst="rect">
-              <a:avLst/>
-            </a:prstGeom>
-            <a:noFill/>
-          </p:spPr>
-          <p:txBody>
-            <a:bodyPr wrap="none" rtlCol="0">
-              <a:spAutoFit/>
-            </a:bodyPr>
-            <a:lstStyle/>
-            <a:p>
-              <a:pPr algn="ctr"/>
-              <a:r>
-                <a:rPr lang="en-US" altLang="ko-KR" dirty="0" smtClean="0"/>
-                <a:t>parents</a:t>
-              </a:r>
-              <a:endParaRPr lang="ko-KR" altLang="en-US" dirty="0"/>
-            </a:p>
-          </p:txBody>
-        </p:sp>
-        <p:sp>
-          <p:nvSpPr>
-            <p:cNvPr id="30" name="TextBox 29"/>
-            <p:cNvSpPr txBox="1"/>
-            <p:nvPr/>
-          </p:nvSpPr>
-          <p:spPr>
-            <a:xfrm>
-              <a:off x="355696" y="4031834"/>
-              <a:ext cx="824586" cy="369332"/>
-            </a:xfrm>
-            <a:prstGeom prst="rect">
-              <a:avLst/>
-            </a:prstGeom>
-            <a:noFill/>
-          </p:spPr>
-          <p:txBody>
-            <a:bodyPr wrap="none" rtlCol="0">
-              <a:spAutoFit/>
-            </a:bodyPr>
-            <a:lstStyle/>
-            <a:p>
-              <a:pPr algn="ctr"/>
-              <a:r>
-                <a:rPr lang="en-US" altLang="ko-KR" dirty="0" smtClean="0"/>
-                <a:t>values</a:t>
-              </a:r>
-              <a:endParaRPr lang="ko-KR" altLang="en-US" dirty="0"/>
-            </a:p>
-          </p:txBody>
-        </p:sp>
-        <p:pic>
-          <p:nvPicPr>
-            <p:cNvPr id="32" name="그림 31"/>
-            <p:cNvPicPr>
-              <a:picLocks noChangeAspect="1"/>
-            </p:cNvPicPr>
-            <p:nvPr/>
-          </p:nvPicPr>
-          <p:blipFill rotWithShape="1">
-            <a:blip r:embed="rId2">
-              <a:extLst>
-                <a:ext uri="{28A0092B-C50C-407E-A947-70E740481C1C}">
-                  <a14:useLocalDpi xmlns:a14="http://schemas.microsoft.com/office/drawing/2010/main" val="0"/>
-                </a:ext>
-              </a:extLst>
-            </a:blip>
-            <a:srcRect l="24212" t="3138" r="18504" b="6964"/>
-            <a:stretch/>
-          </p:blipFill>
-          <p:spPr>
-            <a:xfrm>
-              <a:off x="7536000" y="796499"/>
-              <a:ext cx="4365000" cy="4230001"/>
-            </a:xfrm>
-            <a:prstGeom prst="rect">
-              <a:avLst/>
-            </a:prstGeom>
-          </p:spPr>
-        </p:pic>
-        <p:sp>
-          <p:nvSpPr>
-            <p:cNvPr id="33" name="직사각형 32"/>
-            <p:cNvSpPr/>
-            <p:nvPr/>
-          </p:nvSpPr>
-          <p:spPr>
-            <a:xfrm>
-              <a:off x="1056000" y="1224000"/>
-              <a:ext cx="1042151" cy="3375000"/>
-            </a:xfrm>
-            <a:prstGeom prst="rect">
-              <a:avLst/>
-            </a:prstGeom>
-            <a:noFill/>
-            <a:ln>
-              <a:prstDash val="dash"/>
-            </a:ln>
           </p:spPr>
           <p:style>
             <a:lnRef idx="2">
@@ -4995,149 +3712,37 @@
             <a:lstStyle/>
             <a:p>
               <a:pPr algn="ctr"/>
-              <a:endParaRPr lang="ko-KR" altLang="en-US"/>
+              <a:r>
+                <a:rPr lang="ko-KR" altLang="en-US" sz="1200" dirty="0" smtClean="0">
+                  <a:solidFill>
+                    <a:schemeClr val="tx1"/>
+                  </a:solidFill>
+                </a:rPr>
+                <a:t>전체</a:t>
+              </a:r>
+              <a:endParaRPr lang="ko-KR" altLang="en-US" sz="1200" dirty="0">
+                <a:solidFill>
+                  <a:schemeClr val="tx1"/>
+                </a:solidFill>
+              </a:endParaRPr>
             </a:p>
           </p:txBody>
         </p:sp>
-        <p:grpSp>
-          <p:nvGrpSpPr>
-            <p:cNvPr id="44" name="그룹 43"/>
-            <p:cNvGrpSpPr/>
-            <p:nvPr/>
-          </p:nvGrpSpPr>
-          <p:grpSpPr>
-            <a:xfrm>
-              <a:off x="1551000" y="864000"/>
-              <a:ext cx="8055000" cy="2025000"/>
-              <a:chOff x="1551000" y="864000"/>
-              <a:chExt cx="8055000" cy="2025000"/>
-            </a:xfrm>
-          </p:grpSpPr>
-          <p:cxnSp>
-            <p:nvCxnSpPr>
-              <p:cNvPr id="39" name="직선 연결선 38"/>
-              <p:cNvCxnSpPr/>
-              <p:nvPr/>
-            </p:nvCxnSpPr>
-            <p:spPr>
-              <a:xfrm flipV="1">
-                <a:off x="1551000" y="864000"/>
-                <a:ext cx="0" cy="360000"/>
-              </a:xfrm>
-              <a:prstGeom prst="line">
-                <a:avLst/>
-              </a:prstGeom>
-              <a:ln w="15875">
-                <a:solidFill>
-                  <a:schemeClr val="tx1"/>
-                </a:solidFill>
-              </a:ln>
-            </p:spPr>
-            <p:style>
-              <a:lnRef idx="1">
-                <a:schemeClr val="accent1"/>
-              </a:lnRef>
-              <a:fillRef idx="0">
-                <a:schemeClr val="accent1"/>
-              </a:fillRef>
-              <a:effectRef idx="0">
-                <a:schemeClr val="accent1"/>
-              </a:effectRef>
-              <a:fontRef idx="minor">
-                <a:schemeClr val="tx1"/>
-              </a:fontRef>
-            </p:style>
-          </p:cxnSp>
-          <p:cxnSp>
-            <p:nvCxnSpPr>
-              <p:cNvPr id="41" name="직선 연결선 40"/>
-              <p:cNvCxnSpPr/>
-              <p:nvPr/>
-            </p:nvCxnSpPr>
-            <p:spPr>
-              <a:xfrm>
-                <a:off x="1551000" y="864000"/>
-                <a:ext cx="6075000" cy="0"/>
-              </a:xfrm>
-              <a:prstGeom prst="line">
-                <a:avLst/>
-              </a:prstGeom>
-              <a:ln w="15875">
-                <a:solidFill>
-                  <a:schemeClr val="tx1"/>
-                </a:solidFill>
-              </a:ln>
-            </p:spPr>
-            <p:style>
-              <a:lnRef idx="1">
-                <a:schemeClr val="accent1"/>
-              </a:lnRef>
-              <a:fillRef idx="0">
-                <a:schemeClr val="accent1"/>
-              </a:fillRef>
-              <a:effectRef idx="0">
-                <a:schemeClr val="accent1"/>
-              </a:effectRef>
-              <a:fontRef idx="minor">
-                <a:schemeClr val="tx1"/>
-              </a:fontRef>
-            </p:style>
-          </p:cxnSp>
-          <p:cxnSp>
-            <p:nvCxnSpPr>
-              <p:cNvPr id="43" name="직선 화살표 연결선 42"/>
-              <p:cNvCxnSpPr/>
-              <p:nvPr/>
-            </p:nvCxnSpPr>
-            <p:spPr>
-              <a:xfrm>
-                <a:off x="7626000" y="864000"/>
-                <a:ext cx="1980000" cy="2025000"/>
-              </a:xfrm>
-              <a:prstGeom prst="straightConnector1">
-                <a:avLst/>
-              </a:prstGeom>
-              <a:ln w="15875">
-                <a:solidFill>
-                  <a:schemeClr val="tx1"/>
-                </a:solidFill>
-                <a:tailEnd type="triangle"/>
-              </a:ln>
-            </p:spPr>
-            <p:style>
-              <a:lnRef idx="1">
-                <a:schemeClr val="accent1"/>
-              </a:lnRef>
-              <a:fillRef idx="0">
-                <a:schemeClr val="accent1"/>
-              </a:fillRef>
-              <a:effectRef idx="0">
-                <a:schemeClr val="accent1"/>
-              </a:effectRef>
-              <a:fontRef idx="minor">
-                <a:schemeClr val="tx1"/>
-              </a:fontRef>
-            </p:style>
-          </p:cxnSp>
-        </p:grpSp>
         <p:sp>
           <p:nvSpPr>
-            <p:cNvPr id="45" name="직사각형 44"/>
+            <p:cNvPr id="5" name="직사각형 4"/>
             <p:cNvSpPr/>
             <p:nvPr/>
           </p:nvSpPr>
           <p:spPr>
             <a:xfrm>
-              <a:off x="2790320" y="1216239"/>
-              <a:ext cx="1042151" cy="3375000"/>
+              <a:off x="3664171" y="1359000"/>
+              <a:ext cx="855000" cy="495000"/>
             </a:xfrm>
             <a:prstGeom prst="rect">
               <a:avLst/>
             </a:prstGeom>
             <a:noFill/>
-            <a:ln>
-              <a:prstDash val="dash"/>
-            </a:ln>
           </p:spPr>
           <p:style>
             <a:lnRef idx="2">
@@ -5160,151 +3765,37 @@
             <a:lstStyle/>
             <a:p>
               <a:pPr algn="ctr"/>
-              <a:endParaRPr lang="ko-KR" altLang="en-US"/>
+              <a:r>
+                <a:rPr lang="ko-KR" altLang="en-US" sz="1200" dirty="0" smtClean="0">
+                  <a:solidFill>
+                    <a:schemeClr val="tx1"/>
+                  </a:solidFill>
+                </a:rPr>
+                <a:t>공학계열</a:t>
+              </a:r>
+              <a:endParaRPr lang="ko-KR" altLang="en-US" sz="1200" dirty="0">
+                <a:solidFill>
+                  <a:schemeClr val="tx1"/>
+                </a:solidFill>
+              </a:endParaRPr>
             </a:p>
           </p:txBody>
         </p:sp>
-        <p:grpSp>
-          <p:nvGrpSpPr>
-            <p:cNvPr id="52" name="그룹 51"/>
-            <p:cNvGrpSpPr/>
-            <p:nvPr/>
-          </p:nvGrpSpPr>
-          <p:grpSpPr>
-            <a:xfrm>
-              <a:off x="3311395" y="593999"/>
-              <a:ext cx="5799605" cy="1395001"/>
-              <a:chOff x="3311395" y="593999"/>
-              <a:chExt cx="5799605" cy="1395001"/>
-            </a:xfrm>
-          </p:grpSpPr>
-          <p:cxnSp>
-            <p:nvCxnSpPr>
-              <p:cNvPr id="47" name="직선 연결선 46"/>
-              <p:cNvCxnSpPr>
-                <a:stCxn id="45" idx="0"/>
-              </p:cNvCxnSpPr>
-              <p:nvPr/>
-            </p:nvCxnSpPr>
-            <p:spPr>
-              <a:xfrm flipH="1" flipV="1">
-                <a:off x="3311395" y="594000"/>
-                <a:ext cx="1" cy="622239"/>
-              </a:xfrm>
-              <a:prstGeom prst="line">
-                <a:avLst/>
-              </a:prstGeom>
-              <a:ln w="19050">
-                <a:solidFill>
-                  <a:schemeClr val="tx1"/>
-                </a:solidFill>
-              </a:ln>
-            </p:spPr>
-            <p:style>
-              <a:lnRef idx="1">
-                <a:schemeClr val="accent1"/>
-              </a:lnRef>
-              <a:fillRef idx="0">
-                <a:schemeClr val="accent1"/>
-              </a:fillRef>
-              <a:effectRef idx="0">
-                <a:schemeClr val="accent1"/>
-              </a:effectRef>
-              <a:fontRef idx="minor">
-                <a:schemeClr val="tx1"/>
-              </a:fontRef>
-            </p:style>
-          </p:cxnSp>
-          <p:cxnSp>
-            <p:nvCxnSpPr>
-              <p:cNvPr id="49" name="직선 연결선 48"/>
-              <p:cNvCxnSpPr/>
-              <p:nvPr/>
-            </p:nvCxnSpPr>
-            <p:spPr>
-              <a:xfrm>
-                <a:off x="3311395" y="594000"/>
-                <a:ext cx="4854605" cy="0"/>
-              </a:xfrm>
-              <a:prstGeom prst="line">
-                <a:avLst/>
-              </a:prstGeom>
-              <a:ln w="19050">
-                <a:solidFill>
-                  <a:schemeClr val="tx1"/>
-                </a:solidFill>
-              </a:ln>
-            </p:spPr>
-            <p:style>
-              <a:lnRef idx="1">
-                <a:schemeClr val="accent1"/>
-              </a:lnRef>
-              <a:fillRef idx="0">
-                <a:schemeClr val="accent1"/>
-              </a:fillRef>
-              <a:effectRef idx="0">
-                <a:schemeClr val="accent1"/>
-              </a:effectRef>
-              <a:fontRef idx="minor">
-                <a:schemeClr val="tx1"/>
-              </a:fontRef>
-            </p:style>
-          </p:cxnSp>
-          <p:cxnSp>
-            <p:nvCxnSpPr>
-              <p:cNvPr id="51" name="직선 화살표 연결선 50"/>
-              <p:cNvCxnSpPr/>
-              <p:nvPr/>
-            </p:nvCxnSpPr>
-            <p:spPr>
-              <a:xfrm>
-                <a:off x="8175145" y="593999"/>
-                <a:ext cx="935855" cy="1395001"/>
-              </a:xfrm>
-              <a:prstGeom prst="straightConnector1">
-                <a:avLst/>
-              </a:prstGeom>
-              <a:ln w="19050">
-                <a:solidFill>
-                  <a:schemeClr val="tx1"/>
-                </a:solidFill>
-                <a:tailEnd type="triangle"/>
-              </a:ln>
-            </p:spPr>
-            <p:style>
-              <a:lnRef idx="1">
-                <a:schemeClr val="accent1"/>
-              </a:lnRef>
-              <a:fillRef idx="0">
-                <a:schemeClr val="accent1"/>
-              </a:fillRef>
-              <a:effectRef idx="0">
-                <a:schemeClr val="accent1"/>
-              </a:effectRef>
-              <a:fontRef idx="minor">
-                <a:schemeClr val="tx1"/>
-              </a:fontRef>
-            </p:style>
-          </p:cxnSp>
-        </p:grpSp>
         <p:sp>
           <p:nvSpPr>
-            <p:cNvPr id="55" name="직사각형 54"/>
+            <p:cNvPr id="6" name="직사각형 5"/>
             <p:cNvSpPr/>
             <p:nvPr/>
           </p:nvSpPr>
           <p:spPr>
             <a:xfrm>
-              <a:off x="4506722" y="1223999"/>
-              <a:ext cx="1042151" cy="3375000"/>
+              <a:off x="4521000" y="1359000"/>
+              <a:ext cx="855000" cy="495000"/>
             </a:xfrm>
             <a:prstGeom prst="rect">
               <a:avLst/>
             </a:prstGeom>
             <a:noFill/>
-            <a:ln>
-              <a:prstDash val="dash"/>
-            </a:ln>
           </p:spPr>
           <p:style>
             <a:lnRef idx="2">
@@ -5327,151 +3818,37 @@
             <a:lstStyle/>
             <a:p>
               <a:pPr algn="ctr"/>
-              <a:endParaRPr lang="ko-KR" altLang="en-US"/>
+              <a:r>
+                <a:rPr lang="ko-KR" altLang="en-US" sz="1200" dirty="0" smtClean="0">
+                  <a:solidFill>
+                    <a:schemeClr val="tx1"/>
+                  </a:solidFill>
+                </a:rPr>
+                <a:t>사회계열</a:t>
+              </a:r>
+              <a:endParaRPr lang="ko-KR" altLang="en-US" sz="1200" dirty="0">
+                <a:solidFill>
+                  <a:schemeClr val="tx1"/>
+                </a:solidFill>
+              </a:endParaRPr>
             </a:p>
           </p:txBody>
         </p:sp>
-        <p:grpSp>
-          <p:nvGrpSpPr>
-            <p:cNvPr id="65" name="그룹 64"/>
-            <p:cNvGrpSpPr/>
-            <p:nvPr/>
-          </p:nvGrpSpPr>
-          <p:grpSpPr>
-            <a:xfrm>
-              <a:off x="5027797" y="2664000"/>
-              <a:ext cx="6288203" cy="2520000"/>
-              <a:chOff x="5027797" y="2664000"/>
-              <a:chExt cx="6288203" cy="2520000"/>
-            </a:xfrm>
-          </p:grpSpPr>
-          <p:cxnSp>
-            <p:nvCxnSpPr>
-              <p:cNvPr id="57" name="직선 연결선 56"/>
-              <p:cNvCxnSpPr>
-                <a:stCxn id="55" idx="2"/>
-              </p:cNvCxnSpPr>
-              <p:nvPr/>
-            </p:nvCxnSpPr>
-            <p:spPr>
-              <a:xfrm flipH="1">
-                <a:off x="5027797" y="4598999"/>
-                <a:ext cx="1" cy="585001"/>
-              </a:xfrm>
-              <a:prstGeom prst="line">
-                <a:avLst/>
-              </a:prstGeom>
-              <a:ln w="19050">
-                <a:solidFill>
-                  <a:schemeClr val="tx1"/>
-                </a:solidFill>
-              </a:ln>
-            </p:spPr>
-            <p:style>
-              <a:lnRef idx="1">
-                <a:schemeClr val="accent1"/>
-              </a:lnRef>
-              <a:fillRef idx="0">
-                <a:schemeClr val="accent1"/>
-              </a:fillRef>
-              <a:effectRef idx="0">
-                <a:schemeClr val="accent1"/>
-              </a:effectRef>
-              <a:fontRef idx="minor">
-                <a:schemeClr val="tx1"/>
-              </a:fontRef>
-            </p:style>
-          </p:cxnSp>
-          <p:cxnSp>
-            <p:nvCxnSpPr>
-              <p:cNvPr id="59" name="직선 연결선 58"/>
-              <p:cNvCxnSpPr/>
-              <p:nvPr/>
-            </p:nvCxnSpPr>
-            <p:spPr>
-              <a:xfrm>
-                <a:off x="5027797" y="5184000"/>
-                <a:ext cx="3498203" cy="0"/>
-              </a:xfrm>
-              <a:prstGeom prst="line">
-                <a:avLst/>
-              </a:prstGeom>
-              <a:ln w="19050">
-                <a:solidFill>
-                  <a:schemeClr val="tx1"/>
-                </a:solidFill>
-              </a:ln>
-            </p:spPr>
-            <p:style>
-              <a:lnRef idx="1">
-                <a:schemeClr val="accent1"/>
-              </a:lnRef>
-              <a:fillRef idx="0">
-                <a:schemeClr val="accent1"/>
-              </a:fillRef>
-              <a:effectRef idx="0">
-                <a:schemeClr val="accent1"/>
-              </a:effectRef>
-              <a:fontRef idx="minor">
-                <a:schemeClr val="tx1"/>
-              </a:fontRef>
-            </p:style>
-          </p:cxnSp>
-          <p:cxnSp>
-            <p:nvCxnSpPr>
-              <p:cNvPr id="61" name="직선 화살표 연결선 60"/>
-              <p:cNvCxnSpPr/>
-              <p:nvPr/>
-            </p:nvCxnSpPr>
-            <p:spPr>
-              <a:xfrm flipV="1">
-                <a:off x="8526000" y="2664000"/>
-                <a:ext cx="2790000" cy="2520000"/>
-              </a:xfrm>
-              <a:prstGeom prst="straightConnector1">
-                <a:avLst/>
-              </a:prstGeom>
-              <a:ln w="19050">
-                <a:solidFill>
-                  <a:schemeClr val="tx1"/>
-                </a:solidFill>
-                <a:tailEnd type="triangle"/>
-              </a:ln>
-            </p:spPr>
-            <p:style>
-              <a:lnRef idx="1">
-                <a:schemeClr val="accent1"/>
-              </a:lnRef>
-              <a:fillRef idx="0">
-                <a:schemeClr val="accent1"/>
-              </a:fillRef>
-              <a:effectRef idx="0">
-                <a:schemeClr val="accent1"/>
-              </a:effectRef>
-              <a:fontRef idx="minor">
-                <a:schemeClr val="tx1"/>
-              </a:fontRef>
-            </p:style>
-          </p:cxnSp>
-        </p:grpSp>
         <p:sp>
           <p:nvSpPr>
-            <p:cNvPr id="66" name="직사각형 65"/>
+            <p:cNvPr id="7" name="직사각형 6"/>
             <p:cNvSpPr/>
             <p:nvPr/>
           </p:nvSpPr>
           <p:spPr>
             <a:xfrm>
-              <a:off x="6213978" y="1216239"/>
-              <a:ext cx="1042151" cy="3375000"/>
+              <a:off x="5374171" y="1359000"/>
+              <a:ext cx="855000" cy="495000"/>
             </a:xfrm>
             <a:prstGeom prst="rect">
               <a:avLst/>
             </a:prstGeom>
             <a:noFill/>
-            <a:ln>
-              <a:prstDash val="dash"/>
-            </a:ln>
           </p:spPr>
           <p:style>
             <a:lnRef idx="2">
@@ -5494,133 +3871,1741 @@
             <a:lstStyle/>
             <a:p>
               <a:pPr algn="ctr"/>
-              <a:endParaRPr lang="ko-KR" altLang="en-US"/>
+              <a:r>
+                <a:rPr lang="en-US" altLang="ko-KR" sz="1200" dirty="0" smtClean="0">
+                  <a:solidFill>
+                    <a:schemeClr val="tx1"/>
+                  </a:solidFill>
+                </a:rPr>
+                <a:t>…</a:t>
+              </a:r>
+              <a:endParaRPr lang="ko-KR" altLang="en-US" sz="1200" dirty="0">
+                <a:solidFill>
+                  <a:schemeClr val="tx1"/>
+                </a:solidFill>
+              </a:endParaRPr>
             </a:p>
           </p:txBody>
         </p:sp>
-        <p:grpSp>
-          <p:nvGrpSpPr>
-            <p:cNvPr id="73" name="그룹 72"/>
-            <p:cNvGrpSpPr/>
+        <p:sp>
+          <p:nvSpPr>
+            <p:cNvPr id="8" name="직사각형 7"/>
+            <p:cNvSpPr/>
             <p:nvPr/>
-          </p:nvGrpSpPr>
-          <p:grpSpPr>
+          </p:nvSpPr>
+          <p:spPr>
             <a:xfrm>
-              <a:off x="6735053" y="4216500"/>
-              <a:ext cx="4175947" cy="1282500"/>
-              <a:chOff x="6735053" y="4216500"/>
-              <a:chExt cx="4175947" cy="1282500"/>
+              <a:off x="6238316" y="1359000"/>
+              <a:ext cx="855000" cy="495000"/>
             </a:xfrm>
-          </p:grpSpPr>
-          <p:cxnSp>
-            <p:nvCxnSpPr>
-              <p:cNvPr id="68" name="직선 연결선 67"/>
-              <p:cNvCxnSpPr>
-                <a:stCxn id="66" idx="2"/>
-              </p:cNvCxnSpPr>
-              <p:nvPr/>
-            </p:nvCxnSpPr>
-            <p:spPr>
-              <a:xfrm flipH="1">
-                <a:off x="6735053" y="4591239"/>
-                <a:ext cx="1" cy="907761"/>
-              </a:xfrm>
-              <a:prstGeom prst="line">
-                <a:avLst/>
-              </a:prstGeom>
-              <a:ln w="19050">
+            <a:prstGeom prst="rect">
+              <a:avLst/>
+            </a:prstGeom>
+            <a:noFill/>
+          </p:spPr>
+          <p:style>
+            <a:lnRef idx="2">
+              <a:schemeClr val="accent1">
+                <a:shade val="50000"/>
+              </a:schemeClr>
+            </a:lnRef>
+            <a:fillRef idx="1">
+              <a:schemeClr val="accent1"/>
+            </a:fillRef>
+            <a:effectRef idx="0">
+              <a:schemeClr val="accent1"/>
+            </a:effectRef>
+            <a:fontRef idx="minor">
+              <a:schemeClr val="lt1"/>
+            </a:fontRef>
+          </p:style>
+          <p:txBody>
+            <a:bodyPr rtlCol="0" anchor="ctr"/>
+            <a:lstStyle/>
+            <a:p>
+              <a:pPr algn="ctr"/>
+              <a:r>
+                <a:rPr lang="ko-KR" altLang="en-US" sz="1200" spc="-300" dirty="0">
+                  <a:solidFill>
+                    <a:schemeClr val="tx1"/>
+                  </a:solidFill>
+                </a:rPr>
+                <a:t>컴퓨터</a:t>
+              </a:r>
+              <a:r>
+                <a:rPr lang="en-US" altLang="ko-KR" sz="1200" spc="-300" dirty="0">
+                  <a:solidFill>
+                    <a:schemeClr val="tx1"/>
+                  </a:solidFill>
+                </a:rPr>
+                <a:t>·</a:t>
+              </a:r>
+              <a:r>
+                <a:rPr lang="ko-KR" altLang="en-US" sz="1200" spc="-300" dirty="0" smtClean="0">
+                  <a:solidFill>
+                    <a:schemeClr val="tx1"/>
+                  </a:solidFill>
+                </a:rPr>
+                <a:t>통신</a:t>
+              </a:r>
+              <a:endParaRPr lang="ko-KR" altLang="en-US" sz="1200" spc="-300" dirty="0">
                 <a:solidFill>
                   <a:schemeClr val="tx1"/>
                 </a:solidFill>
-              </a:ln>
-            </p:spPr>
-            <p:style>
-              <a:lnRef idx="1">
-                <a:schemeClr val="accent1"/>
-              </a:lnRef>
-              <a:fillRef idx="0">
-                <a:schemeClr val="accent1"/>
-              </a:fillRef>
-              <a:effectRef idx="0">
-                <a:schemeClr val="accent1"/>
-              </a:effectRef>
-              <a:fontRef idx="minor">
-                <a:schemeClr val="tx1"/>
-              </a:fontRef>
-            </p:style>
-          </p:cxnSp>
-          <p:cxnSp>
-            <p:nvCxnSpPr>
-              <p:cNvPr id="70" name="직선 연결선 69"/>
-              <p:cNvCxnSpPr/>
-              <p:nvPr/>
-            </p:nvCxnSpPr>
-            <p:spPr>
-              <a:xfrm>
-                <a:off x="6735053" y="5499000"/>
-                <a:ext cx="3275947" cy="0"/>
-              </a:xfrm>
-              <a:prstGeom prst="line">
-                <a:avLst/>
-              </a:prstGeom>
-              <a:ln w="19050">
+              </a:endParaRPr>
+            </a:p>
+          </p:txBody>
+        </p:sp>
+        <p:sp>
+          <p:nvSpPr>
+            <p:cNvPr id="9" name="직사각형 8"/>
+            <p:cNvSpPr/>
+            <p:nvPr/>
+          </p:nvSpPr>
+          <p:spPr>
+            <a:xfrm>
+              <a:off x="7091487" y="1359000"/>
+              <a:ext cx="855000" cy="495000"/>
+            </a:xfrm>
+            <a:prstGeom prst="rect">
+              <a:avLst/>
+            </a:prstGeom>
+            <a:noFill/>
+          </p:spPr>
+          <p:style>
+            <a:lnRef idx="2">
+              <a:schemeClr val="accent1">
+                <a:shade val="50000"/>
+              </a:schemeClr>
+            </a:lnRef>
+            <a:fillRef idx="1">
+              <a:schemeClr val="accent1"/>
+            </a:fillRef>
+            <a:effectRef idx="0">
+              <a:schemeClr val="accent1"/>
+            </a:effectRef>
+            <a:fontRef idx="minor">
+              <a:schemeClr val="lt1"/>
+            </a:fontRef>
+          </p:style>
+          <p:txBody>
+            <a:bodyPr rtlCol="0" anchor="ctr"/>
+            <a:lstStyle/>
+            <a:p>
+              <a:pPr algn="ctr"/>
+              <a:r>
+                <a:rPr lang="en-US" altLang="ko-KR" sz="1200" dirty="0" smtClean="0">
+                  <a:solidFill>
+                    <a:schemeClr val="tx1"/>
+                  </a:solidFill>
+                </a:rPr>
+                <a:t>…</a:t>
+              </a:r>
+              <a:endParaRPr lang="ko-KR" altLang="en-US" sz="1200" dirty="0">
                 <a:solidFill>
                   <a:schemeClr val="tx1"/>
                 </a:solidFill>
-              </a:ln>
-            </p:spPr>
-            <p:style>
-              <a:lnRef idx="1">
-                <a:schemeClr val="accent1"/>
-              </a:lnRef>
-              <a:fillRef idx="0">
-                <a:schemeClr val="accent1"/>
-              </a:fillRef>
-              <a:effectRef idx="0">
-                <a:schemeClr val="accent1"/>
-              </a:effectRef>
-              <a:fontRef idx="minor">
-                <a:schemeClr val="tx1"/>
-              </a:fontRef>
-            </p:style>
-          </p:cxnSp>
-          <p:cxnSp>
-            <p:nvCxnSpPr>
-              <p:cNvPr id="72" name="직선 화살표 연결선 71"/>
-              <p:cNvCxnSpPr/>
-              <p:nvPr/>
-            </p:nvCxnSpPr>
-            <p:spPr>
-              <a:xfrm flipV="1">
-                <a:off x="10011000" y="4216500"/>
-                <a:ext cx="900000" cy="1282500"/>
-              </a:xfrm>
-              <a:prstGeom prst="straightConnector1">
-                <a:avLst/>
-              </a:prstGeom>
-              <a:ln w="19050">
+              </a:endParaRPr>
+            </a:p>
+          </p:txBody>
+        </p:sp>
+        <p:sp>
+          <p:nvSpPr>
+            <p:cNvPr id="10" name="직사각형 9"/>
+            <p:cNvSpPr/>
+            <p:nvPr/>
+          </p:nvSpPr>
+          <p:spPr>
+            <a:xfrm>
+              <a:off x="7944658" y="1359000"/>
+              <a:ext cx="855000" cy="495000"/>
+            </a:xfrm>
+            <a:prstGeom prst="rect">
+              <a:avLst/>
+            </a:prstGeom>
+            <a:noFill/>
+          </p:spPr>
+          <p:style>
+            <a:lnRef idx="2">
+              <a:schemeClr val="accent1">
+                <a:shade val="50000"/>
+              </a:schemeClr>
+            </a:lnRef>
+            <a:fillRef idx="1">
+              <a:schemeClr val="accent1"/>
+            </a:fillRef>
+            <a:effectRef idx="0">
+              <a:schemeClr val="accent1"/>
+            </a:effectRef>
+            <a:fontRef idx="minor">
+              <a:schemeClr val="lt1"/>
+            </a:fontRef>
+          </p:style>
+          <p:txBody>
+            <a:bodyPr rtlCol="0" anchor="ctr"/>
+            <a:lstStyle/>
+            <a:p>
+              <a:pPr algn="ctr"/>
+              <a:r>
+                <a:rPr lang="ko-KR" altLang="en-US" sz="1200" spc="-150" smtClean="0">
+                  <a:solidFill>
+                    <a:schemeClr val="tx1"/>
+                  </a:solidFill>
+                </a:rPr>
+                <a:t>인문과학</a:t>
+              </a:r>
+              <a:endParaRPr lang="ko-KR" altLang="en-US" sz="1200" spc="-150" dirty="0">
                 <a:solidFill>
                   <a:schemeClr val="tx1"/>
                 </a:solidFill>
-                <a:tailEnd type="triangle"/>
-              </a:ln>
-            </p:spPr>
-            <p:style>
-              <a:lnRef idx="1">
-                <a:schemeClr val="accent1"/>
-              </a:lnRef>
-              <a:fillRef idx="0">
-                <a:schemeClr val="accent1"/>
-              </a:fillRef>
-              <a:effectRef idx="0">
-                <a:schemeClr val="accent1"/>
-              </a:effectRef>
-              <a:fontRef idx="minor">
+              </a:endParaRPr>
+            </a:p>
+          </p:txBody>
+        </p:sp>
+      </p:grpSp>
+      <p:grpSp>
+        <p:nvGrpSpPr>
+          <p:cNvPr id="26" name="그룹 25"/>
+          <p:cNvGrpSpPr/>
+          <p:nvPr/>
+        </p:nvGrpSpPr>
+        <p:grpSpPr>
+          <a:xfrm>
+            <a:off x="1173896" y="2664000"/>
+            <a:ext cx="5988658" cy="495000"/>
+            <a:chOff x="2811000" y="2664000"/>
+            <a:chExt cx="5988658" cy="495000"/>
+          </a:xfrm>
+        </p:grpSpPr>
+        <p:sp>
+          <p:nvSpPr>
+            <p:cNvPr id="11" name="직사각형 10"/>
+            <p:cNvSpPr/>
+            <p:nvPr/>
+          </p:nvSpPr>
+          <p:spPr>
+            <a:xfrm>
+              <a:off x="2811000" y="2664000"/>
+              <a:ext cx="855000" cy="495000"/>
+            </a:xfrm>
+            <a:prstGeom prst="rect">
+              <a:avLst/>
+            </a:prstGeom>
+            <a:noFill/>
+          </p:spPr>
+          <p:style>
+            <a:lnRef idx="2">
+              <a:schemeClr val="accent1">
+                <a:shade val="50000"/>
+              </a:schemeClr>
+            </a:lnRef>
+            <a:fillRef idx="1">
+              <a:schemeClr val="accent1"/>
+            </a:fillRef>
+            <a:effectRef idx="0">
+              <a:schemeClr val="accent1"/>
+            </a:effectRef>
+            <a:fontRef idx="minor">
+              <a:schemeClr val="lt1"/>
+            </a:fontRef>
+          </p:style>
+          <p:txBody>
+            <a:bodyPr rtlCol="0" anchor="ctr"/>
+            <a:lstStyle/>
+            <a:p>
+              <a:pPr algn="ctr"/>
+              <a:r>
+                <a:rPr lang="en-US" altLang="ko-KR" sz="1200" dirty="0" smtClean="0">
+                  <a:solidFill>
+                    <a:schemeClr val="tx1"/>
+                  </a:solidFill>
+                </a:rPr>
+                <a:t>‘’</a:t>
+              </a:r>
+              <a:endParaRPr lang="ko-KR" altLang="en-US" sz="1200" dirty="0">
+                <a:solidFill>
+                  <a:schemeClr val="tx1"/>
+                </a:solidFill>
+              </a:endParaRPr>
+            </a:p>
+          </p:txBody>
+        </p:sp>
+        <p:sp>
+          <p:nvSpPr>
+            <p:cNvPr id="12" name="직사각형 11"/>
+            <p:cNvSpPr/>
+            <p:nvPr/>
+          </p:nvSpPr>
+          <p:spPr>
+            <a:xfrm>
+              <a:off x="3664171" y="2664000"/>
+              <a:ext cx="855000" cy="495000"/>
+            </a:xfrm>
+            <a:prstGeom prst="rect">
+              <a:avLst/>
+            </a:prstGeom>
+            <a:noFill/>
+          </p:spPr>
+          <p:style>
+            <a:lnRef idx="2">
+              <a:schemeClr val="accent1">
+                <a:shade val="50000"/>
+              </a:schemeClr>
+            </a:lnRef>
+            <a:fillRef idx="1">
+              <a:schemeClr val="accent1"/>
+            </a:fillRef>
+            <a:effectRef idx="0">
+              <a:schemeClr val="accent1"/>
+            </a:effectRef>
+            <a:fontRef idx="minor">
+              <a:schemeClr val="lt1"/>
+            </a:fontRef>
+          </p:style>
+          <p:txBody>
+            <a:bodyPr rtlCol="0" anchor="ctr"/>
+            <a:lstStyle/>
+            <a:p>
+              <a:pPr algn="ctr"/>
+              <a:r>
+                <a:rPr lang="ko-KR" altLang="en-US" sz="1200" dirty="0" smtClean="0">
+                  <a:solidFill>
+                    <a:schemeClr val="tx1"/>
+                  </a:solidFill>
+                </a:rPr>
+                <a:t>전체</a:t>
+              </a:r>
+              <a:endParaRPr lang="ko-KR" altLang="en-US" sz="1200" dirty="0">
+                <a:solidFill>
+                  <a:schemeClr val="tx1"/>
+                </a:solidFill>
+              </a:endParaRPr>
+            </a:p>
+          </p:txBody>
+        </p:sp>
+        <p:sp>
+          <p:nvSpPr>
+            <p:cNvPr id="13" name="직사각형 12"/>
+            <p:cNvSpPr/>
+            <p:nvPr/>
+          </p:nvSpPr>
+          <p:spPr>
+            <a:xfrm>
+              <a:off x="4521000" y="2664000"/>
+              <a:ext cx="855000" cy="495000"/>
+            </a:xfrm>
+            <a:prstGeom prst="rect">
+              <a:avLst/>
+            </a:prstGeom>
+            <a:noFill/>
+          </p:spPr>
+          <p:style>
+            <a:lnRef idx="2">
+              <a:schemeClr val="accent1">
+                <a:shade val="50000"/>
+              </a:schemeClr>
+            </a:lnRef>
+            <a:fillRef idx="1">
+              <a:schemeClr val="accent1"/>
+            </a:fillRef>
+            <a:effectRef idx="0">
+              <a:schemeClr val="accent1"/>
+            </a:effectRef>
+            <a:fontRef idx="minor">
+              <a:schemeClr val="lt1"/>
+            </a:fontRef>
+          </p:style>
+          <p:txBody>
+            <a:bodyPr rtlCol="0" anchor="ctr"/>
+            <a:lstStyle/>
+            <a:p>
+              <a:pPr algn="ctr"/>
+              <a:r>
+                <a:rPr lang="ko-KR" altLang="en-US" sz="1200" dirty="0" smtClean="0">
+                  <a:solidFill>
+                    <a:schemeClr val="tx1"/>
+                  </a:solidFill>
+                </a:rPr>
+                <a:t>전체</a:t>
+              </a:r>
+              <a:endParaRPr lang="ko-KR" altLang="en-US" sz="1200" dirty="0">
+                <a:solidFill>
+                  <a:schemeClr val="tx1"/>
+                </a:solidFill>
+              </a:endParaRPr>
+            </a:p>
+          </p:txBody>
+        </p:sp>
+        <p:sp>
+          <p:nvSpPr>
+            <p:cNvPr id="14" name="직사각형 13"/>
+            <p:cNvSpPr/>
+            <p:nvPr/>
+          </p:nvSpPr>
+          <p:spPr>
+            <a:xfrm>
+              <a:off x="5374171" y="2664000"/>
+              <a:ext cx="855000" cy="495000"/>
+            </a:xfrm>
+            <a:prstGeom prst="rect">
+              <a:avLst/>
+            </a:prstGeom>
+            <a:noFill/>
+          </p:spPr>
+          <p:style>
+            <a:lnRef idx="2">
+              <a:schemeClr val="accent1">
+                <a:shade val="50000"/>
+              </a:schemeClr>
+            </a:lnRef>
+            <a:fillRef idx="1">
+              <a:schemeClr val="accent1"/>
+            </a:fillRef>
+            <a:effectRef idx="0">
+              <a:schemeClr val="accent1"/>
+            </a:effectRef>
+            <a:fontRef idx="minor">
+              <a:schemeClr val="lt1"/>
+            </a:fontRef>
+          </p:style>
+          <p:txBody>
+            <a:bodyPr rtlCol="0" anchor="ctr"/>
+            <a:lstStyle/>
+            <a:p>
+              <a:pPr algn="ctr"/>
+              <a:r>
+                <a:rPr lang="en-US" altLang="ko-KR" sz="1200" dirty="0" smtClean="0">
+                  <a:solidFill>
+                    <a:schemeClr val="tx1"/>
+                  </a:solidFill>
+                </a:rPr>
+                <a:t>…</a:t>
+              </a:r>
+              <a:endParaRPr lang="ko-KR" altLang="en-US" sz="1200" dirty="0">
+                <a:solidFill>
+                  <a:schemeClr val="tx1"/>
+                </a:solidFill>
+              </a:endParaRPr>
+            </a:p>
+          </p:txBody>
+        </p:sp>
+        <p:sp>
+          <p:nvSpPr>
+            <p:cNvPr id="15" name="직사각형 14"/>
+            <p:cNvSpPr/>
+            <p:nvPr/>
+          </p:nvSpPr>
+          <p:spPr>
+            <a:xfrm>
+              <a:off x="6238316" y="2664000"/>
+              <a:ext cx="855000" cy="495000"/>
+            </a:xfrm>
+            <a:prstGeom prst="rect">
+              <a:avLst/>
+            </a:prstGeom>
+            <a:noFill/>
+          </p:spPr>
+          <p:style>
+            <a:lnRef idx="2">
+              <a:schemeClr val="accent1">
+                <a:shade val="50000"/>
+              </a:schemeClr>
+            </a:lnRef>
+            <a:fillRef idx="1">
+              <a:schemeClr val="accent1"/>
+            </a:fillRef>
+            <a:effectRef idx="0">
+              <a:schemeClr val="accent1"/>
+            </a:effectRef>
+            <a:fontRef idx="minor">
+              <a:schemeClr val="lt1"/>
+            </a:fontRef>
+          </p:style>
+          <p:txBody>
+            <a:bodyPr rtlCol="0" anchor="ctr"/>
+            <a:lstStyle/>
+            <a:p>
+              <a:pPr algn="ctr"/>
+              <a:r>
+                <a:rPr lang="ko-KR" altLang="en-US" sz="1200" dirty="0" smtClean="0">
+                  <a:solidFill>
+                    <a:schemeClr val="tx1"/>
+                  </a:solidFill>
+                </a:rPr>
+                <a:t>공학계열</a:t>
+              </a:r>
+              <a:endParaRPr lang="ko-KR" altLang="en-US" sz="1200" dirty="0">
+                <a:solidFill>
+                  <a:schemeClr val="tx1"/>
+                </a:solidFill>
+              </a:endParaRPr>
+            </a:p>
+          </p:txBody>
+        </p:sp>
+        <p:sp>
+          <p:nvSpPr>
+            <p:cNvPr id="16" name="직사각형 15"/>
+            <p:cNvSpPr/>
+            <p:nvPr/>
+          </p:nvSpPr>
+          <p:spPr>
+            <a:xfrm>
+              <a:off x="7091487" y="2664000"/>
+              <a:ext cx="855000" cy="495000"/>
+            </a:xfrm>
+            <a:prstGeom prst="rect">
+              <a:avLst/>
+            </a:prstGeom>
+            <a:noFill/>
+          </p:spPr>
+          <p:style>
+            <a:lnRef idx="2">
+              <a:schemeClr val="accent1">
+                <a:shade val="50000"/>
+              </a:schemeClr>
+            </a:lnRef>
+            <a:fillRef idx="1">
+              <a:schemeClr val="accent1"/>
+            </a:fillRef>
+            <a:effectRef idx="0">
+              <a:schemeClr val="accent1"/>
+            </a:effectRef>
+            <a:fontRef idx="minor">
+              <a:schemeClr val="lt1"/>
+            </a:fontRef>
+          </p:style>
+          <p:txBody>
+            <a:bodyPr rtlCol="0" anchor="ctr"/>
+            <a:lstStyle/>
+            <a:p>
+              <a:pPr algn="ctr"/>
+              <a:r>
+                <a:rPr lang="en-US" altLang="ko-KR" sz="1200" dirty="0" smtClean="0">
+                  <a:solidFill>
+                    <a:schemeClr val="tx1"/>
+                  </a:solidFill>
+                </a:rPr>
+                <a:t>…</a:t>
+              </a:r>
+              <a:endParaRPr lang="ko-KR" altLang="en-US" sz="1200" dirty="0">
+                <a:solidFill>
+                  <a:schemeClr val="tx1"/>
+                </a:solidFill>
+              </a:endParaRPr>
+            </a:p>
+          </p:txBody>
+        </p:sp>
+        <p:sp>
+          <p:nvSpPr>
+            <p:cNvPr id="17" name="직사각형 16"/>
+            <p:cNvSpPr/>
+            <p:nvPr/>
+          </p:nvSpPr>
+          <p:spPr>
+            <a:xfrm>
+              <a:off x="7944658" y="2664000"/>
+              <a:ext cx="855000" cy="495000"/>
+            </a:xfrm>
+            <a:prstGeom prst="rect">
+              <a:avLst/>
+            </a:prstGeom>
+            <a:noFill/>
+          </p:spPr>
+          <p:style>
+            <a:lnRef idx="2">
+              <a:schemeClr val="accent1">
+                <a:shade val="50000"/>
+              </a:schemeClr>
+            </a:lnRef>
+            <a:fillRef idx="1">
+              <a:schemeClr val="accent1"/>
+            </a:fillRef>
+            <a:effectRef idx="0">
+              <a:schemeClr val="accent1"/>
+            </a:effectRef>
+            <a:fontRef idx="minor">
+              <a:schemeClr val="lt1"/>
+            </a:fontRef>
+          </p:style>
+          <p:txBody>
+            <a:bodyPr rtlCol="0" anchor="ctr"/>
+            <a:lstStyle/>
+            <a:p>
+              <a:pPr algn="ctr"/>
+              <a:r>
+                <a:rPr lang="ko-KR" altLang="en-US" sz="1200" dirty="0" smtClean="0">
+                  <a:solidFill>
+                    <a:schemeClr val="tx1"/>
+                  </a:solidFill>
+                </a:rPr>
+                <a:t>인문계열</a:t>
+              </a:r>
+              <a:endParaRPr lang="ko-KR" altLang="en-US" sz="1200" dirty="0">
+                <a:solidFill>
+                  <a:schemeClr val="tx1"/>
+                </a:solidFill>
+              </a:endParaRPr>
+            </a:p>
+          </p:txBody>
+        </p:sp>
+      </p:grpSp>
+      <p:grpSp>
+        <p:nvGrpSpPr>
+          <p:cNvPr id="27" name="그룹 26"/>
+          <p:cNvGrpSpPr/>
+          <p:nvPr/>
+        </p:nvGrpSpPr>
+        <p:grpSpPr>
+          <a:xfrm>
+            <a:off x="1173896" y="3969194"/>
+            <a:ext cx="5988658" cy="495000"/>
+            <a:chOff x="2811000" y="3969194"/>
+            <a:chExt cx="5988658" cy="495000"/>
+          </a:xfrm>
+        </p:grpSpPr>
+        <p:sp>
+          <p:nvSpPr>
+            <p:cNvPr id="18" name="직사각형 17"/>
+            <p:cNvSpPr/>
+            <p:nvPr/>
+          </p:nvSpPr>
+          <p:spPr>
+            <a:xfrm>
+              <a:off x="2811000" y="3969194"/>
+              <a:ext cx="855000" cy="495000"/>
+            </a:xfrm>
+            <a:prstGeom prst="rect">
+              <a:avLst/>
+            </a:prstGeom>
+            <a:noFill/>
+          </p:spPr>
+          <p:style>
+            <a:lnRef idx="2">
+              <a:schemeClr val="accent1">
+                <a:shade val="50000"/>
+              </a:schemeClr>
+            </a:lnRef>
+            <a:fillRef idx="1">
+              <a:schemeClr val="accent1"/>
+            </a:fillRef>
+            <a:effectRef idx="0">
+              <a:schemeClr val="accent1"/>
+            </a:effectRef>
+            <a:fontRef idx="minor">
+              <a:schemeClr val="lt1"/>
+            </a:fontRef>
+          </p:style>
+          <p:txBody>
+            <a:bodyPr rtlCol="0" anchor="ctr"/>
+            <a:lstStyle/>
+            <a:p>
+              <a:pPr algn="ctr"/>
+              <a:r>
+                <a:rPr lang="en-US" altLang="ko-KR" sz="1200" dirty="0" smtClean="0">
+                  <a:solidFill>
+                    <a:schemeClr val="tx1"/>
+                  </a:solidFill>
+                </a:rPr>
+                <a:t>85398</a:t>
+              </a:r>
+              <a:endParaRPr lang="ko-KR" altLang="en-US" sz="1200" dirty="0">
+                <a:solidFill>
+                  <a:schemeClr val="tx1"/>
+                </a:solidFill>
+              </a:endParaRPr>
+            </a:p>
+          </p:txBody>
+        </p:sp>
+        <p:sp>
+          <p:nvSpPr>
+            <p:cNvPr id="19" name="직사각형 18"/>
+            <p:cNvSpPr/>
+            <p:nvPr/>
+          </p:nvSpPr>
+          <p:spPr>
+            <a:xfrm>
+              <a:off x="3664171" y="3969194"/>
+              <a:ext cx="855000" cy="495000"/>
+            </a:xfrm>
+            <a:prstGeom prst="rect">
+              <a:avLst/>
+            </a:prstGeom>
+            <a:noFill/>
+          </p:spPr>
+          <p:style>
+            <a:lnRef idx="2">
+              <a:schemeClr val="accent1">
+                <a:shade val="50000"/>
+              </a:schemeClr>
+            </a:lnRef>
+            <a:fillRef idx="1">
+              <a:schemeClr val="accent1"/>
+            </a:fillRef>
+            <a:effectRef idx="0">
+              <a:schemeClr val="accent1"/>
+            </a:effectRef>
+            <a:fontRef idx="minor">
+              <a:schemeClr val="lt1"/>
+            </a:fontRef>
+          </p:style>
+          <p:txBody>
+            <a:bodyPr rtlCol="0" anchor="ctr"/>
+            <a:lstStyle/>
+            <a:p>
+              <a:pPr algn="ctr"/>
+              <a:r>
+                <a:rPr lang="en-US" altLang="ko-KR" sz="1200" dirty="0" smtClean="0">
+                  <a:solidFill>
+                    <a:schemeClr val="tx1"/>
+                  </a:solidFill>
+                </a:rPr>
+                <a:t>26093</a:t>
+              </a:r>
+              <a:endParaRPr lang="ko-KR" altLang="en-US" sz="1200" dirty="0">
+                <a:solidFill>
+                  <a:schemeClr val="tx1"/>
+                </a:solidFill>
+              </a:endParaRPr>
+            </a:p>
+          </p:txBody>
+        </p:sp>
+        <p:sp>
+          <p:nvSpPr>
+            <p:cNvPr id="20" name="직사각형 19"/>
+            <p:cNvSpPr/>
+            <p:nvPr/>
+          </p:nvSpPr>
+          <p:spPr>
+            <a:xfrm>
+              <a:off x="4521000" y="3969194"/>
+              <a:ext cx="855000" cy="495000"/>
+            </a:xfrm>
+            <a:prstGeom prst="rect">
+              <a:avLst/>
+            </a:prstGeom>
+            <a:noFill/>
+          </p:spPr>
+          <p:style>
+            <a:lnRef idx="2">
+              <a:schemeClr val="accent1">
+                <a:shade val="50000"/>
+              </a:schemeClr>
+            </a:lnRef>
+            <a:fillRef idx="1">
+              <a:schemeClr val="accent1"/>
+            </a:fillRef>
+            <a:effectRef idx="0">
+              <a:schemeClr val="accent1"/>
+            </a:effectRef>
+            <a:fontRef idx="minor">
+              <a:schemeClr val="lt1"/>
+            </a:fontRef>
+          </p:style>
+          <p:txBody>
+            <a:bodyPr rtlCol="0" anchor="ctr"/>
+            <a:lstStyle/>
+            <a:p>
+              <a:pPr algn="ctr"/>
+              <a:r>
+                <a:rPr lang="en-US" altLang="ko-KR" sz="1200" dirty="0" smtClean="0">
+                  <a:solidFill>
+                    <a:schemeClr val="tx1"/>
+                  </a:solidFill>
+                </a:rPr>
+                <a:t>17749</a:t>
+              </a:r>
+              <a:endParaRPr lang="ko-KR" altLang="en-US" sz="1200" dirty="0">
+                <a:solidFill>
+                  <a:schemeClr val="tx1"/>
+                </a:solidFill>
+              </a:endParaRPr>
+            </a:p>
+          </p:txBody>
+        </p:sp>
+        <p:sp>
+          <p:nvSpPr>
+            <p:cNvPr id="21" name="직사각형 20"/>
+            <p:cNvSpPr/>
+            <p:nvPr/>
+          </p:nvSpPr>
+          <p:spPr>
+            <a:xfrm>
+              <a:off x="5374171" y="3969194"/>
+              <a:ext cx="855000" cy="495000"/>
+            </a:xfrm>
+            <a:prstGeom prst="rect">
+              <a:avLst/>
+            </a:prstGeom>
+            <a:noFill/>
+          </p:spPr>
+          <p:style>
+            <a:lnRef idx="2">
+              <a:schemeClr val="accent1">
+                <a:shade val="50000"/>
+              </a:schemeClr>
+            </a:lnRef>
+            <a:fillRef idx="1">
+              <a:schemeClr val="accent1"/>
+            </a:fillRef>
+            <a:effectRef idx="0">
+              <a:schemeClr val="accent1"/>
+            </a:effectRef>
+            <a:fontRef idx="minor">
+              <a:schemeClr val="lt1"/>
+            </a:fontRef>
+          </p:style>
+          <p:txBody>
+            <a:bodyPr rtlCol="0" anchor="ctr"/>
+            <a:lstStyle/>
+            <a:p>
+              <a:pPr algn="ctr"/>
+              <a:endParaRPr lang="ko-KR" altLang="en-US" sz="1200">
+                <a:solidFill>
+                  <a:schemeClr val="tx1"/>
+                </a:solidFill>
+              </a:endParaRPr>
+            </a:p>
+          </p:txBody>
+        </p:sp>
+        <p:sp>
+          <p:nvSpPr>
+            <p:cNvPr id="22" name="직사각형 21"/>
+            <p:cNvSpPr/>
+            <p:nvPr/>
+          </p:nvSpPr>
+          <p:spPr>
+            <a:xfrm>
+              <a:off x="6238316" y="3969194"/>
+              <a:ext cx="855000" cy="495000"/>
+            </a:xfrm>
+            <a:prstGeom prst="rect">
+              <a:avLst/>
+            </a:prstGeom>
+            <a:noFill/>
+          </p:spPr>
+          <p:style>
+            <a:lnRef idx="2">
+              <a:schemeClr val="accent1">
+                <a:shade val="50000"/>
+              </a:schemeClr>
+            </a:lnRef>
+            <a:fillRef idx="1">
+              <a:schemeClr val="accent1"/>
+            </a:fillRef>
+            <a:effectRef idx="0">
+              <a:schemeClr val="accent1"/>
+            </a:effectRef>
+            <a:fontRef idx="minor">
+              <a:schemeClr val="lt1"/>
+            </a:fontRef>
+          </p:style>
+          <p:txBody>
+            <a:bodyPr rtlCol="0" anchor="ctr"/>
+            <a:lstStyle/>
+            <a:p>
+              <a:pPr algn="ctr"/>
+              <a:r>
+                <a:rPr lang="en-US" altLang="ko-KR" sz="1200" dirty="0" smtClean="0">
+                  <a:solidFill>
+                    <a:schemeClr val="tx1"/>
+                  </a:solidFill>
+                </a:rPr>
+                <a:t>6261</a:t>
+              </a:r>
+              <a:endParaRPr lang="ko-KR" altLang="en-US" sz="1200" dirty="0">
+                <a:solidFill>
+                  <a:schemeClr val="tx1"/>
+                </a:solidFill>
+              </a:endParaRPr>
+            </a:p>
+          </p:txBody>
+        </p:sp>
+        <p:sp>
+          <p:nvSpPr>
+            <p:cNvPr id="23" name="직사각형 22"/>
+            <p:cNvSpPr/>
+            <p:nvPr/>
+          </p:nvSpPr>
+          <p:spPr>
+            <a:xfrm>
+              <a:off x="7091487" y="3969194"/>
+              <a:ext cx="855000" cy="495000"/>
+            </a:xfrm>
+            <a:prstGeom prst="rect">
+              <a:avLst/>
+            </a:prstGeom>
+            <a:noFill/>
+          </p:spPr>
+          <p:style>
+            <a:lnRef idx="2">
+              <a:schemeClr val="accent1">
+                <a:shade val="50000"/>
+              </a:schemeClr>
+            </a:lnRef>
+            <a:fillRef idx="1">
+              <a:schemeClr val="accent1"/>
+            </a:fillRef>
+            <a:effectRef idx="0">
+              <a:schemeClr val="accent1"/>
+            </a:effectRef>
+            <a:fontRef idx="minor">
+              <a:schemeClr val="lt1"/>
+            </a:fontRef>
+          </p:style>
+          <p:txBody>
+            <a:bodyPr rtlCol="0" anchor="ctr"/>
+            <a:lstStyle/>
+            <a:p>
+              <a:pPr algn="ctr"/>
+              <a:endParaRPr lang="ko-KR" altLang="en-US" sz="1200">
+                <a:solidFill>
+                  <a:schemeClr val="tx1"/>
+                </a:solidFill>
+              </a:endParaRPr>
+            </a:p>
+          </p:txBody>
+        </p:sp>
+        <p:sp>
+          <p:nvSpPr>
+            <p:cNvPr id="24" name="직사각형 23"/>
+            <p:cNvSpPr/>
+            <p:nvPr/>
+          </p:nvSpPr>
+          <p:spPr>
+            <a:xfrm>
+              <a:off x="7944658" y="3969194"/>
+              <a:ext cx="855000" cy="495000"/>
+            </a:xfrm>
+            <a:prstGeom prst="rect">
+              <a:avLst/>
+            </a:prstGeom>
+            <a:noFill/>
+          </p:spPr>
+          <p:style>
+            <a:lnRef idx="2">
+              <a:schemeClr val="accent1">
+                <a:shade val="50000"/>
+              </a:schemeClr>
+            </a:lnRef>
+            <a:fillRef idx="1">
+              <a:schemeClr val="accent1"/>
+            </a:fillRef>
+            <a:effectRef idx="0">
+              <a:schemeClr val="accent1"/>
+            </a:effectRef>
+            <a:fontRef idx="minor">
+              <a:schemeClr val="lt1"/>
+            </a:fontRef>
+          </p:style>
+          <p:txBody>
+            <a:bodyPr rtlCol="0" anchor="ctr"/>
+            <a:lstStyle/>
+            <a:p>
+              <a:pPr algn="ctr"/>
+              <a:r>
+                <a:rPr lang="en-US" altLang="ko-KR" sz="1200" dirty="0" smtClean="0">
+                  <a:solidFill>
+                    <a:schemeClr val="tx1"/>
+                  </a:solidFill>
+                </a:rPr>
+                <a:t>3036</a:t>
+              </a:r>
+              <a:endParaRPr lang="ko-KR" altLang="en-US" sz="1200" dirty="0">
+                <a:solidFill>
+                  <a:schemeClr val="tx1"/>
+                </a:solidFill>
+              </a:endParaRPr>
+            </a:p>
+          </p:txBody>
+        </p:sp>
+      </p:grpSp>
+      <p:sp>
+        <p:nvSpPr>
+          <p:cNvPr id="28" name="TextBox 27"/>
+          <p:cNvSpPr txBox="1"/>
+          <p:nvPr/>
+        </p:nvSpPr>
+        <p:spPr>
+          <a:xfrm>
+            <a:off x="379100" y="1421834"/>
+            <a:ext cx="777777" cy="369332"/>
+          </a:xfrm>
+          <a:prstGeom prst="rect">
+            <a:avLst/>
+          </a:prstGeom>
+          <a:noFill/>
+        </p:spPr>
+        <p:txBody>
+          <a:bodyPr wrap="none" rtlCol="0">
+            <a:spAutoFit/>
+          </a:bodyPr>
+          <a:lstStyle/>
+          <a:p>
+            <a:pPr algn="ctr"/>
+            <a:r>
+              <a:rPr lang="en-US" altLang="ko-KR" dirty="0" smtClean="0"/>
+              <a:t>labels</a:t>
+            </a:r>
+            <a:endParaRPr lang="ko-KR" altLang="en-US" dirty="0"/>
+          </a:p>
+        </p:txBody>
+      </p:sp>
+      <p:sp>
+        <p:nvSpPr>
+          <p:cNvPr id="29" name="TextBox 28"/>
+          <p:cNvSpPr txBox="1"/>
+          <p:nvPr/>
+        </p:nvSpPr>
+        <p:spPr>
+          <a:xfrm>
+            <a:off x="291000" y="2726834"/>
+            <a:ext cx="953980" cy="369332"/>
+          </a:xfrm>
+          <a:prstGeom prst="rect">
+            <a:avLst/>
+          </a:prstGeom>
+          <a:noFill/>
+        </p:spPr>
+        <p:txBody>
+          <a:bodyPr wrap="none" rtlCol="0">
+            <a:spAutoFit/>
+          </a:bodyPr>
+          <a:lstStyle/>
+          <a:p>
+            <a:pPr algn="ctr"/>
+            <a:r>
+              <a:rPr lang="en-US" altLang="ko-KR" dirty="0" smtClean="0"/>
+              <a:t>parents</a:t>
+            </a:r>
+            <a:endParaRPr lang="ko-KR" altLang="en-US" dirty="0"/>
+          </a:p>
+        </p:txBody>
+      </p:sp>
+      <p:sp>
+        <p:nvSpPr>
+          <p:cNvPr id="30" name="TextBox 29"/>
+          <p:cNvSpPr txBox="1"/>
+          <p:nvPr/>
+        </p:nvSpPr>
+        <p:spPr>
+          <a:xfrm>
+            <a:off x="355696" y="4031834"/>
+            <a:ext cx="824586" cy="369332"/>
+          </a:xfrm>
+          <a:prstGeom prst="rect">
+            <a:avLst/>
+          </a:prstGeom>
+          <a:noFill/>
+        </p:spPr>
+        <p:txBody>
+          <a:bodyPr wrap="none" rtlCol="0">
+            <a:spAutoFit/>
+          </a:bodyPr>
+          <a:lstStyle/>
+          <a:p>
+            <a:pPr algn="ctr"/>
+            <a:r>
+              <a:rPr lang="en-US" altLang="ko-KR" dirty="0" smtClean="0"/>
+              <a:t>values</a:t>
+            </a:r>
+            <a:endParaRPr lang="ko-KR" altLang="en-US" dirty="0"/>
+          </a:p>
+        </p:txBody>
+      </p:sp>
+      <p:pic>
+        <p:nvPicPr>
+          <p:cNvPr id="32" name="그림 31"/>
+          <p:cNvPicPr>
+            <a:picLocks noChangeAspect="1"/>
+          </p:cNvPicPr>
+          <p:nvPr/>
+        </p:nvPicPr>
+        <p:blipFill rotWithShape="1">
+          <a:blip r:embed="rId2">
+            <a:extLst>
+              <a:ext uri="{28A0092B-C50C-407E-A947-70E740481C1C}">
+                <a14:useLocalDpi xmlns:a14="http://schemas.microsoft.com/office/drawing/2010/main" val="0"/>
+              </a:ext>
+            </a:extLst>
+          </a:blip>
+          <a:srcRect l="24212" t="3138" r="18504" b="6964"/>
+          <a:stretch/>
+        </p:blipFill>
+        <p:spPr>
+          <a:xfrm>
+            <a:off x="7536000" y="796499"/>
+            <a:ext cx="4365000" cy="4230001"/>
+          </a:xfrm>
+          <a:prstGeom prst="rect">
+            <a:avLst/>
+          </a:prstGeom>
+        </p:spPr>
+      </p:pic>
+      <p:sp>
+        <p:nvSpPr>
+          <p:cNvPr id="33" name="직사각형 32"/>
+          <p:cNvSpPr/>
+          <p:nvPr/>
+        </p:nvSpPr>
+        <p:spPr>
+          <a:xfrm>
+            <a:off x="1056000" y="1224000"/>
+            <a:ext cx="1042151" cy="3375000"/>
+          </a:xfrm>
+          <a:prstGeom prst="rect">
+            <a:avLst/>
+          </a:prstGeom>
+          <a:noFill/>
+          <a:ln>
+            <a:prstDash val="dash"/>
+          </a:ln>
+        </p:spPr>
+        <p:style>
+          <a:lnRef idx="2">
+            <a:schemeClr val="accent1">
+              <a:shade val="50000"/>
+            </a:schemeClr>
+          </a:lnRef>
+          <a:fillRef idx="1">
+            <a:schemeClr val="accent1"/>
+          </a:fillRef>
+          <a:effectRef idx="0">
+            <a:schemeClr val="accent1"/>
+          </a:effectRef>
+          <a:fontRef idx="minor">
+            <a:schemeClr val="lt1"/>
+          </a:fontRef>
+        </p:style>
+        <p:txBody>
+          <a:bodyPr rtlCol="0" anchor="ctr"/>
+          <a:lstStyle/>
+          <a:p>
+            <a:pPr algn="ctr"/>
+            <a:endParaRPr lang="ko-KR" altLang="en-US"/>
+          </a:p>
+        </p:txBody>
+      </p:sp>
+      <p:grpSp>
+        <p:nvGrpSpPr>
+          <p:cNvPr id="44" name="그룹 43"/>
+          <p:cNvGrpSpPr/>
+          <p:nvPr/>
+        </p:nvGrpSpPr>
+        <p:grpSpPr>
+          <a:xfrm>
+            <a:off x="1551000" y="864000"/>
+            <a:ext cx="8055000" cy="2025000"/>
+            <a:chOff x="1551000" y="864000"/>
+            <a:chExt cx="8055000" cy="2025000"/>
+          </a:xfrm>
+        </p:grpSpPr>
+        <p:cxnSp>
+          <p:nvCxnSpPr>
+            <p:cNvPr id="39" name="직선 연결선 38"/>
+            <p:cNvCxnSpPr/>
+            <p:nvPr/>
+          </p:nvCxnSpPr>
+          <p:spPr>
+            <a:xfrm flipV="1">
+              <a:off x="1551000" y="864000"/>
+              <a:ext cx="0" cy="360000"/>
+            </a:xfrm>
+            <a:prstGeom prst="line">
+              <a:avLst/>
+            </a:prstGeom>
+            <a:ln w="15875">
+              <a:solidFill>
                 <a:schemeClr val="tx1"/>
-              </a:fontRef>
-            </p:style>
-          </p:cxnSp>
-        </p:grpSp>
+              </a:solidFill>
+            </a:ln>
+          </p:spPr>
+          <p:style>
+            <a:lnRef idx="1">
+              <a:schemeClr val="accent1"/>
+            </a:lnRef>
+            <a:fillRef idx="0">
+              <a:schemeClr val="accent1"/>
+            </a:fillRef>
+            <a:effectRef idx="0">
+              <a:schemeClr val="accent1"/>
+            </a:effectRef>
+            <a:fontRef idx="minor">
+              <a:schemeClr val="tx1"/>
+            </a:fontRef>
+          </p:style>
+        </p:cxnSp>
+        <p:cxnSp>
+          <p:nvCxnSpPr>
+            <p:cNvPr id="41" name="직선 연결선 40"/>
+            <p:cNvCxnSpPr/>
+            <p:nvPr/>
+          </p:nvCxnSpPr>
+          <p:spPr>
+            <a:xfrm>
+              <a:off x="1551000" y="864000"/>
+              <a:ext cx="6075000" cy="0"/>
+            </a:xfrm>
+            <a:prstGeom prst="line">
+              <a:avLst/>
+            </a:prstGeom>
+            <a:ln w="15875">
+              <a:solidFill>
+                <a:schemeClr val="tx1"/>
+              </a:solidFill>
+            </a:ln>
+          </p:spPr>
+          <p:style>
+            <a:lnRef idx="1">
+              <a:schemeClr val="accent1"/>
+            </a:lnRef>
+            <a:fillRef idx="0">
+              <a:schemeClr val="accent1"/>
+            </a:fillRef>
+            <a:effectRef idx="0">
+              <a:schemeClr val="accent1"/>
+            </a:effectRef>
+            <a:fontRef idx="minor">
+              <a:schemeClr val="tx1"/>
+            </a:fontRef>
+          </p:style>
+        </p:cxnSp>
+        <p:cxnSp>
+          <p:nvCxnSpPr>
+            <p:cNvPr id="43" name="직선 화살표 연결선 42"/>
+            <p:cNvCxnSpPr/>
+            <p:nvPr/>
+          </p:nvCxnSpPr>
+          <p:spPr>
+            <a:xfrm>
+              <a:off x="7626000" y="864000"/>
+              <a:ext cx="1980000" cy="2025000"/>
+            </a:xfrm>
+            <a:prstGeom prst="straightConnector1">
+              <a:avLst/>
+            </a:prstGeom>
+            <a:ln w="15875">
+              <a:solidFill>
+                <a:schemeClr val="tx1"/>
+              </a:solidFill>
+              <a:tailEnd type="triangle"/>
+            </a:ln>
+          </p:spPr>
+          <p:style>
+            <a:lnRef idx="1">
+              <a:schemeClr val="accent1"/>
+            </a:lnRef>
+            <a:fillRef idx="0">
+              <a:schemeClr val="accent1"/>
+            </a:fillRef>
+            <a:effectRef idx="0">
+              <a:schemeClr val="accent1"/>
+            </a:effectRef>
+            <a:fontRef idx="minor">
+              <a:schemeClr val="tx1"/>
+            </a:fontRef>
+          </p:style>
+        </p:cxnSp>
+      </p:grpSp>
+      <p:sp>
+        <p:nvSpPr>
+          <p:cNvPr id="45" name="직사각형 44"/>
+          <p:cNvSpPr/>
+          <p:nvPr/>
+        </p:nvSpPr>
+        <p:spPr>
+          <a:xfrm>
+            <a:off x="2790320" y="1216239"/>
+            <a:ext cx="1042151" cy="3375000"/>
+          </a:xfrm>
+          <a:prstGeom prst="rect">
+            <a:avLst/>
+          </a:prstGeom>
+          <a:noFill/>
+          <a:ln>
+            <a:prstDash val="dash"/>
+          </a:ln>
+        </p:spPr>
+        <p:style>
+          <a:lnRef idx="2">
+            <a:schemeClr val="accent1">
+              <a:shade val="50000"/>
+            </a:schemeClr>
+          </a:lnRef>
+          <a:fillRef idx="1">
+            <a:schemeClr val="accent1"/>
+          </a:fillRef>
+          <a:effectRef idx="0">
+            <a:schemeClr val="accent1"/>
+          </a:effectRef>
+          <a:fontRef idx="minor">
+            <a:schemeClr val="lt1"/>
+          </a:fontRef>
+        </p:style>
+        <p:txBody>
+          <a:bodyPr rtlCol="0" anchor="ctr"/>
+          <a:lstStyle/>
+          <a:p>
+            <a:pPr algn="ctr"/>
+            <a:endParaRPr lang="ko-KR" altLang="en-US"/>
+          </a:p>
+        </p:txBody>
+      </p:sp>
+      <p:grpSp>
+        <p:nvGrpSpPr>
+          <p:cNvPr id="52" name="그룹 51"/>
+          <p:cNvGrpSpPr/>
+          <p:nvPr/>
+        </p:nvGrpSpPr>
+        <p:grpSpPr>
+          <a:xfrm>
+            <a:off x="3311395" y="593999"/>
+            <a:ext cx="5799605" cy="1395001"/>
+            <a:chOff x="3311395" y="593999"/>
+            <a:chExt cx="5799605" cy="1395001"/>
+          </a:xfrm>
+        </p:grpSpPr>
+        <p:cxnSp>
+          <p:nvCxnSpPr>
+            <p:cNvPr id="47" name="직선 연결선 46"/>
+            <p:cNvCxnSpPr>
+              <a:stCxn id="45" idx="0"/>
+            </p:cNvCxnSpPr>
+            <p:nvPr/>
+          </p:nvCxnSpPr>
+          <p:spPr>
+            <a:xfrm flipH="1" flipV="1">
+              <a:off x="3311395" y="594000"/>
+              <a:ext cx="1" cy="622239"/>
+            </a:xfrm>
+            <a:prstGeom prst="line">
+              <a:avLst/>
+            </a:prstGeom>
+            <a:ln w="19050">
+              <a:solidFill>
+                <a:schemeClr val="tx1"/>
+              </a:solidFill>
+            </a:ln>
+          </p:spPr>
+          <p:style>
+            <a:lnRef idx="1">
+              <a:schemeClr val="accent1"/>
+            </a:lnRef>
+            <a:fillRef idx="0">
+              <a:schemeClr val="accent1"/>
+            </a:fillRef>
+            <a:effectRef idx="0">
+              <a:schemeClr val="accent1"/>
+            </a:effectRef>
+            <a:fontRef idx="minor">
+              <a:schemeClr val="tx1"/>
+            </a:fontRef>
+          </p:style>
+        </p:cxnSp>
+        <p:cxnSp>
+          <p:nvCxnSpPr>
+            <p:cNvPr id="49" name="직선 연결선 48"/>
+            <p:cNvCxnSpPr/>
+            <p:nvPr/>
+          </p:nvCxnSpPr>
+          <p:spPr>
+            <a:xfrm>
+              <a:off x="3311395" y="594000"/>
+              <a:ext cx="4854605" cy="0"/>
+            </a:xfrm>
+            <a:prstGeom prst="line">
+              <a:avLst/>
+            </a:prstGeom>
+            <a:ln w="19050">
+              <a:solidFill>
+                <a:schemeClr val="tx1"/>
+              </a:solidFill>
+            </a:ln>
+          </p:spPr>
+          <p:style>
+            <a:lnRef idx="1">
+              <a:schemeClr val="accent1"/>
+            </a:lnRef>
+            <a:fillRef idx="0">
+              <a:schemeClr val="accent1"/>
+            </a:fillRef>
+            <a:effectRef idx="0">
+              <a:schemeClr val="accent1"/>
+            </a:effectRef>
+            <a:fontRef idx="minor">
+              <a:schemeClr val="tx1"/>
+            </a:fontRef>
+          </p:style>
+        </p:cxnSp>
+        <p:cxnSp>
+          <p:nvCxnSpPr>
+            <p:cNvPr id="51" name="직선 화살표 연결선 50"/>
+            <p:cNvCxnSpPr/>
+            <p:nvPr/>
+          </p:nvCxnSpPr>
+          <p:spPr>
+            <a:xfrm>
+              <a:off x="8175145" y="593999"/>
+              <a:ext cx="935855" cy="1395001"/>
+            </a:xfrm>
+            <a:prstGeom prst="straightConnector1">
+              <a:avLst/>
+            </a:prstGeom>
+            <a:ln w="19050">
+              <a:solidFill>
+                <a:schemeClr val="tx1"/>
+              </a:solidFill>
+              <a:tailEnd type="triangle"/>
+            </a:ln>
+          </p:spPr>
+          <p:style>
+            <a:lnRef idx="1">
+              <a:schemeClr val="accent1"/>
+            </a:lnRef>
+            <a:fillRef idx="0">
+              <a:schemeClr val="accent1"/>
+            </a:fillRef>
+            <a:effectRef idx="0">
+              <a:schemeClr val="accent1"/>
+            </a:effectRef>
+            <a:fontRef idx="minor">
+              <a:schemeClr val="tx1"/>
+            </a:fontRef>
+          </p:style>
+        </p:cxnSp>
+      </p:grpSp>
+      <p:sp>
+        <p:nvSpPr>
+          <p:cNvPr id="55" name="직사각형 54"/>
+          <p:cNvSpPr/>
+          <p:nvPr/>
+        </p:nvSpPr>
+        <p:spPr>
+          <a:xfrm>
+            <a:off x="4506722" y="1223999"/>
+            <a:ext cx="1042151" cy="3375000"/>
+          </a:xfrm>
+          <a:prstGeom prst="rect">
+            <a:avLst/>
+          </a:prstGeom>
+          <a:noFill/>
+          <a:ln>
+            <a:prstDash val="dash"/>
+          </a:ln>
+        </p:spPr>
+        <p:style>
+          <a:lnRef idx="2">
+            <a:schemeClr val="accent1">
+              <a:shade val="50000"/>
+            </a:schemeClr>
+          </a:lnRef>
+          <a:fillRef idx="1">
+            <a:schemeClr val="accent1"/>
+          </a:fillRef>
+          <a:effectRef idx="0">
+            <a:schemeClr val="accent1"/>
+          </a:effectRef>
+          <a:fontRef idx="minor">
+            <a:schemeClr val="lt1"/>
+          </a:fontRef>
+        </p:style>
+        <p:txBody>
+          <a:bodyPr rtlCol="0" anchor="ctr"/>
+          <a:lstStyle/>
+          <a:p>
+            <a:pPr algn="ctr"/>
+            <a:endParaRPr lang="ko-KR" altLang="en-US"/>
+          </a:p>
+        </p:txBody>
+      </p:sp>
+      <p:grpSp>
+        <p:nvGrpSpPr>
+          <p:cNvPr id="65" name="그룹 64"/>
+          <p:cNvGrpSpPr/>
+          <p:nvPr/>
+        </p:nvGrpSpPr>
+        <p:grpSpPr>
+          <a:xfrm>
+            <a:off x="5027797" y="2664000"/>
+            <a:ext cx="6288203" cy="2520000"/>
+            <a:chOff x="5027797" y="2664000"/>
+            <a:chExt cx="6288203" cy="2520000"/>
+          </a:xfrm>
+        </p:grpSpPr>
+        <p:cxnSp>
+          <p:nvCxnSpPr>
+            <p:cNvPr id="57" name="직선 연결선 56"/>
+            <p:cNvCxnSpPr>
+              <a:stCxn id="55" idx="2"/>
+            </p:cNvCxnSpPr>
+            <p:nvPr/>
+          </p:nvCxnSpPr>
+          <p:spPr>
+            <a:xfrm flipH="1">
+              <a:off x="5027797" y="4598999"/>
+              <a:ext cx="1" cy="585001"/>
+            </a:xfrm>
+            <a:prstGeom prst="line">
+              <a:avLst/>
+            </a:prstGeom>
+            <a:ln w="19050">
+              <a:solidFill>
+                <a:schemeClr val="tx1"/>
+              </a:solidFill>
+            </a:ln>
+          </p:spPr>
+          <p:style>
+            <a:lnRef idx="1">
+              <a:schemeClr val="accent1"/>
+            </a:lnRef>
+            <a:fillRef idx="0">
+              <a:schemeClr val="accent1"/>
+            </a:fillRef>
+            <a:effectRef idx="0">
+              <a:schemeClr val="accent1"/>
+            </a:effectRef>
+            <a:fontRef idx="minor">
+              <a:schemeClr val="tx1"/>
+            </a:fontRef>
+          </p:style>
+        </p:cxnSp>
+        <p:cxnSp>
+          <p:nvCxnSpPr>
+            <p:cNvPr id="59" name="직선 연결선 58"/>
+            <p:cNvCxnSpPr/>
+            <p:nvPr/>
+          </p:nvCxnSpPr>
+          <p:spPr>
+            <a:xfrm>
+              <a:off x="5027797" y="5184000"/>
+              <a:ext cx="3498203" cy="0"/>
+            </a:xfrm>
+            <a:prstGeom prst="line">
+              <a:avLst/>
+            </a:prstGeom>
+            <a:ln w="19050">
+              <a:solidFill>
+                <a:schemeClr val="tx1"/>
+              </a:solidFill>
+            </a:ln>
+          </p:spPr>
+          <p:style>
+            <a:lnRef idx="1">
+              <a:schemeClr val="accent1"/>
+            </a:lnRef>
+            <a:fillRef idx="0">
+              <a:schemeClr val="accent1"/>
+            </a:fillRef>
+            <a:effectRef idx="0">
+              <a:schemeClr val="accent1"/>
+            </a:effectRef>
+            <a:fontRef idx="minor">
+              <a:schemeClr val="tx1"/>
+            </a:fontRef>
+          </p:style>
+        </p:cxnSp>
+        <p:cxnSp>
+          <p:nvCxnSpPr>
+            <p:cNvPr id="61" name="직선 화살표 연결선 60"/>
+            <p:cNvCxnSpPr/>
+            <p:nvPr/>
+          </p:nvCxnSpPr>
+          <p:spPr>
+            <a:xfrm flipV="1">
+              <a:off x="8526000" y="2664000"/>
+              <a:ext cx="2790000" cy="2520000"/>
+            </a:xfrm>
+            <a:prstGeom prst="straightConnector1">
+              <a:avLst/>
+            </a:prstGeom>
+            <a:ln w="19050">
+              <a:solidFill>
+                <a:schemeClr val="tx1"/>
+              </a:solidFill>
+              <a:tailEnd type="triangle"/>
+            </a:ln>
+          </p:spPr>
+          <p:style>
+            <a:lnRef idx="1">
+              <a:schemeClr val="accent1"/>
+            </a:lnRef>
+            <a:fillRef idx="0">
+              <a:schemeClr val="accent1"/>
+            </a:fillRef>
+            <a:effectRef idx="0">
+              <a:schemeClr val="accent1"/>
+            </a:effectRef>
+            <a:fontRef idx="minor">
+              <a:schemeClr val="tx1"/>
+            </a:fontRef>
+          </p:style>
+        </p:cxnSp>
+      </p:grpSp>
+      <p:sp>
+        <p:nvSpPr>
+          <p:cNvPr id="66" name="직사각형 65"/>
+          <p:cNvSpPr/>
+          <p:nvPr/>
+        </p:nvSpPr>
+        <p:spPr>
+          <a:xfrm>
+            <a:off x="6213978" y="1216239"/>
+            <a:ext cx="1042151" cy="3375000"/>
+          </a:xfrm>
+          <a:prstGeom prst="rect">
+            <a:avLst/>
+          </a:prstGeom>
+          <a:noFill/>
+          <a:ln>
+            <a:prstDash val="dash"/>
+          </a:ln>
+        </p:spPr>
+        <p:style>
+          <a:lnRef idx="2">
+            <a:schemeClr val="accent1">
+              <a:shade val="50000"/>
+            </a:schemeClr>
+          </a:lnRef>
+          <a:fillRef idx="1">
+            <a:schemeClr val="accent1"/>
+          </a:fillRef>
+          <a:effectRef idx="0">
+            <a:schemeClr val="accent1"/>
+          </a:effectRef>
+          <a:fontRef idx="minor">
+            <a:schemeClr val="lt1"/>
+          </a:fontRef>
+        </p:style>
+        <p:txBody>
+          <a:bodyPr rtlCol="0" anchor="ctr"/>
+          <a:lstStyle/>
+          <a:p>
+            <a:pPr algn="ctr"/>
+            <a:endParaRPr lang="ko-KR" altLang="en-US"/>
+          </a:p>
+        </p:txBody>
+      </p:sp>
+      <p:grpSp>
+        <p:nvGrpSpPr>
+          <p:cNvPr id="73" name="그룹 72"/>
+          <p:cNvGrpSpPr/>
+          <p:nvPr/>
+        </p:nvGrpSpPr>
+        <p:grpSpPr>
+          <a:xfrm>
+            <a:off x="6735053" y="4216500"/>
+            <a:ext cx="4175947" cy="1282500"/>
+            <a:chOff x="6735053" y="4216500"/>
+            <a:chExt cx="4175947" cy="1282500"/>
+          </a:xfrm>
+        </p:grpSpPr>
+        <p:cxnSp>
+          <p:nvCxnSpPr>
+            <p:cNvPr id="68" name="직선 연결선 67"/>
+            <p:cNvCxnSpPr>
+              <a:stCxn id="66" idx="2"/>
+            </p:cNvCxnSpPr>
+            <p:nvPr/>
+          </p:nvCxnSpPr>
+          <p:spPr>
+            <a:xfrm flipH="1">
+              <a:off x="6735053" y="4591239"/>
+              <a:ext cx="1" cy="907761"/>
+            </a:xfrm>
+            <a:prstGeom prst="line">
+              <a:avLst/>
+            </a:prstGeom>
+            <a:ln w="19050">
+              <a:solidFill>
+                <a:schemeClr val="tx1"/>
+              </a:solidFill>
+            </a:ln>
+          </p:spPr>
+          <p:style>
+            <a:lnRef idx="1">
+              <a:schemeClr val="accent1"/>
+            </a:lnRef>
+            <a:fillRef idx="0">
+              <a:schemeClr val="accent1"/>
+            </a:fillRef>
+            <a:effectRef idx="0">
+              <a:schemeClr val="accent1"/>
+            </a:effectRef>
+            <a:fontRef idx="minor">
+              <a:schemeClr val="tx1"/>
+            </a:fontRef>
+          </p:style>
+        </p:cxnSp>
+        <p:cxnSp>
+          <p:nvCxnSpPr>
+            <p:cNvPr id="70" name="직선 연결선 69"/>
+            <p:cNvCxnSpPr/>
+            <p:nvPr/>
+          </p:nvCxnSpPr>
+          <p:spPr>
+            <a:xfrm>
+              <a:off x="6735053" y="5499000"/>
+              <a:ext cx="3275947" cy="0"/>
+            </a:xfrm>
+            <a:prstGeom prst="line">
+              <a:avLst/>
+            </a:prstGeom>
+            <a:ln w="19050">
+              <a:solidFill>
+                <a:schemeClr val="tx1"/>
+              </a:solidFill>
+            </a:ln>
+          </p:spPr>
+          <p:style>
+            <a:lnRef idx="1">
+              <a:schemeClr val="accent1"/>
+            </a:lnRef>
+            <a:fillRef idx="0">
+              <a:schemeClr val="accent1"/>
+            </a:fillRef>
+            <a:effectRef idx="0">
+              <a:schemeClr val="accent1"/>
+            </a:effectRef>
+            <a:fontRef idx="minor">
+              <a:schemeClr val="tx1"/>
+            </a:fontRef>
+          </p:style>
+        </p:cxnSp>
+        <p:cxnSp>
+          <p:nvCxnSpPr>
+            <p:cNvPr id="72" name="직선 화살표 연결선 71"/>
+            <p:cNvCxnSpPr/>
+            <p:nvPr/>
+          </p:nvCxnSpPr>
+          <p:spPr>
+            <a:xfrm flipV="1">
+              <a:off x="10011000" y="4216500"/>
+              <a:ext cx="900000" cy="1282500"/>
+            </a:xfrm>
+            <a:prstGeom prst="straightConnector1">
+              <a:avLst/>
+            </a:prstGeom>
+            <a:ln w="19050">
+              <a:solidFill>
+                <a:schemeClr val="tx1"/>
+              </a:solidFill>
+              <a:tailEnd type="triangle"/>
+            </a:ln>
+          </p:spPr>
+          <p:style>
+            <a:lnRef idx="1">
+              <a:schemeClr val="accent1"/>
+            </a:lnRef>
+            <a:fillRef idx="0">
+              <a:schemeClr val="accent1"/>
+            </a:fillRef>
+            <a:effectRef idx="0">
+              <a:schemeClr val="accent1"/>
+            </a:effectRef>
+            <a:fontRef idx="minor">
+              <a:schemeClr val="tx1"/>
+            </a:fontRef>
+          </p:style>
+        </p:cxnSp>
       </p:grpSp>
     </p:spTree>
     <p:extLst>
